--- a/doc/Intership.pptx
+++ b/doc/Intership.pptx
@@ -7,7 +7,15 @@
   <p:sldIdLst>
     <p:sldId id="256" r:id="rId2"/>
     <p:sldId id="261" r:id="rId3"/>
-    <p:sldId id="263" r:id="rId4"/>
+    <p:sldId id="264" r:id="rId4"/>
+    <p:sldId id="266" r:id="rId5"/>
+    <p:sldId id="267" r:id="rId6"/>
+    <p:sldId id="268" r:id="rId7"/>
+    <p:sldId id="263" r:id="rId8"/>
+    <p:sldId id="269" r:id="rId9"/>
+    <p:sldId id="270" r:id="rId10"/>
+    <p:sldId id="271" r:id="rId11"/>
+    <p:sldId id="272" r:id="rId12"/>
   </p:sldIdLst>
   <p:sldSz cx="12192000" cy="6858000"/>
   <p:notesSz cx="6858000" cy="9144000"/>
@@ -3687,6 +3695,868 @@
 </p:sld>
 </file>
 
+<file path=ppt/slides/slide10.xml><?xml version="1.0" encoding="utf-8"?>
+<p:sld xmlns:a="http://schemas.openxmlformats.org/drawingml/2006/main" xmlns:r="http://schemas.openxmlformats.org/officeDocument/2006/relationships" xmlns:p="http://schemas.openxmlformats.org/presentationml/2006/main">
+  <p:cSld>
+    <p:spTree>
+      <p:nvGrpSpPr>
+        <p:cNvPr id="1" name=""/>
+        <p:cNvGrpSpPr/>
+        <p:nvPr/>
+      </p:nvGrpSpPr>
+      <p:grpSpPr>
+        <a:xfrm>
+          <a:off x="0" y="0"/>
+          <a:ext cx="0" cy="0"/>
+          <a:chOff x="0" y="0"/>
+          <a:chExt cx="0" cy="0"/>
+        </a:xfrm>
+      </p:grpSpPr>
+      <p:sp>
+        <p:nvSpPr>
+          <p:cNvPr id="2" name="タイトル 1">
+            <a:extLst>
+              <a:ext uri="{FF2B5EF4-FFF2-40B4-BE49-F238E27FC236}">
+                <a16:creationId xmlns:a16="http://schemas.microsoft.com/office/drawing/2014/main" id="{6A116121-F1B7-415E-B29B-A45880D12EFE}"/>
+              </a:ext>
+            </a:extLst>
+          </p:cNvPr>
+          <p:cNvSpPr>
+            <a:spLocks noGrp="1"/>
+          </p:cNvSpPr>
+          <p:nvPr>
+            <p:ph type="title"/>
+          </p:nvPr>
+        </p:nvSpPr>
+        <p:spPr/>
+        <p:txBody>
+          <a:bodyPr/>
+          <a:lstStyle/>
+          <a:p>
+            <a:r>
+              <a:rPr kumimoji="1" lang="en-US" altLang="ja-JP" dirty="0" err="1"/>
+              <a:t>Dự</a:t>
+            </a:r>
+            <a:r>
+              <a:rPr kumimoji="1" lang="en-US" altLang="ja-JP" dirty="0"/>
+              <a:t> </a:t>
+            </a:r>
+            <a:r>
+              <a:rPr kumimoji="1" lang="en-US" altLang="ja-JP" dirty="0" err="1"/>
+              <a:t>án</a:t>
+            </a:r>
+            <a:r>
+              <a:rPr kumimoji="1" lang="en-US" altLang="ja-JP" dirty="0"/>
+              <a:t> </a:t>
+            </a:r>
+            <a:r>
+              <a:rPr kumimoji="1" lang="en-US" altLang="ja-JP" dirty="0" err="1"/>
+              <a:t>về</a:t>
+            </a:r>
+            <a:r>
+              <a:rPr kumimoji="1" lang="en-US" altLang="ja-JP" dirty="0"/>
+              <a:t> </a:t>
+            </a:r>
+            <a:r>
+              <a:rPr kumimoji="1" lang="en-US" altLang="ja-JP" dirty="0" err="1"/>
+              <a:t>quản</a:t>
+            </a:r>
+            <a:r>
+              <a:rPr kumimoji="1" lang="en-US" altLang="ja-JP" dirty="0"/>
+              <a:t> </a:t>
+            </a:r>
+            <a:r>
+              <a:rPr kumimoji="1" lang="en-US" altLang="ja-JP" dirty="0" err="1"/>
+              <a:t>lý</a:t>
+            </a:r>
+            <a:r>
+              <a:rPr kumimoji="1" lang="en-US" altLang="ja-JP" dirty="0"/>
+              <a:t> </a:t>
+            </a:r>
+            <a:r>
+              <a:rPr kumimoji="1" lang="en-US" altLang="ja-JP" dirty="0" err="1"/>
+              <a:t>tài</a:t>
+            </a:r>
+            <a:r>
+              <a:rPr kumimoji="1" lang="en-US" altLang="ja-JP" dirty="0"/>
+              <a:t> </a:t>
+            </a:r>
+            <a:r>
+              <a:rPr kumimoji="1" lang="en-US" altLang="ja-JP" dirty="0" err="1"/>
+              <a:t>liệu</a:t>
+            </a:r>
+            <a:endParaRPr kumimoji="1" lang="ja-JP" altLang="en-US" dirty="0"/>
+          </a:p>
+        </p:txBody>
+      </p:sp>
+      <p:sp>
+        <p:nvSpPr>
+          <p:cNvPr id="3" name="コンテンツ プレースホルダー 2">
+            <a:extLst>
+              <a:ext uri="{FF2B5EF4-FFF2-40B4-BE49-F238E27FC236}">
+                <a16:creationId xmlns:a16="http://schemas.microsoft.com/office/drawing/2014/main" id="{BE662D53-0A4E-421D-B156-FE9E6637BC22}"/>
+              </a:ext>
+            </a:extLst>
+          </p:cNvPr>
+          <p:cNvSpPr>
+            <a:spLocks noGrp="1"/>
+          </p:cNvSpPr>
+          <p:nvPr>
+            <p:ph idx="1"/>
+          </p:nvPr>
+        </p:nvSpPr>
+        <p:spPr/>
+        <p:txBody>
+          <a:bodyPr>
+            <a:normAutofit/>
+          </a:bodyPr>
+          <a:lstStyle/>
+          <a:p>
+            <a:r>
+              <a:rPr lang="en-US" altLang="ja-JP" dirty="0"/>
+              <a:t>1 </a:t>
+            </a:r>
+            <a:r>
+              <a:rPr lang="en-US" altLang="ja-JP" dirty="0" err="1"/>
+              <a:t>khách</a:t>
+            </a:r>
+            <a:r>
+              <a:rPr lang="en-US" altLang="ja-JP" dirty="0"/>
+              <a:t> </a:t>
+            </a:r>
+            <a:r>
+              <a:rPr lang="en-US" altLang="ja-JP" dirty="0" err="1"/>
+              <a:t>hàng</a:t>
+            </a:r>
+            <a:r>
+              <a:rPr lang="en-US" altLang="ja-JP" dirty="0"/>
+              <a:t> </a:t>
+            </a:r>
+            <a:r>
+              <a:rPr lang="en-US" altLang="ja-JP" dirty="0" err="1"/>
+              <a:t>có</a:t>
+            </a:r>
+            <a:r>
+              <a:rPr lang="en-US" altLang="ja-JP" dirty="0"/>
+              <a:t> 1 account </a:t>
+            </a:r>
+            <a:r>
+              <a:rPr lang="en-US" altLang="ja-JP" dirty="0" err="1"/>
+              <a:t>để</a:t>
+            </a:r>
+            <a:r>
+              <a:rPr lang="en-US" altLang="ja-JP" dirty="0"/>
+              <a:t> login</a:t>
+            </a:r>
+          </a:p>
+          <a:p>
+            <a:pPr marL="0" indent="0">
+              <a:buNone/>
+            </a:pPr>
+            <a:endParaRPr kumimoji="1" lang="en-US" altLang="ja-JP" dirty="0"/>
+          </a:p>
+          <a:p>
+            <a:pPr marL="0" indent="0">
+              <a:buNone/>
+            </a:pPr>
+            <a:endParaRPr lang="en-US" altLang="ja-JP" dirty="0"/>
+          </a:p>
+          <a:p>
+            <a:pPr marL="0" indent="0">
+              <a:buNone/>
+            </a:pPr>
+            <a:endParaRPr kumimoji="1" lang="en-US" altLang="ja-JP" dirty="0"/>
+          </a:p>
+          <a:p>
+            <a:pPr marL="0" indent="0">
+              <a:buNone/>
+            </a:pPr>
+            <a:endParaRPr lang="en-US" altLang="ja-JP" dirty="0"/>
+          </a:p>
+          <a:p>
+            <a:pPr marL="0" indent="0">
+              <a:buNone/>
+            </a:pPr>
+            <a:endParaRPr kumimoji="1" lang="en-US" altLang="ja-JP" dirty="0"/>
+          </a:p>
+          <a:p>
+            <a:pPr marL="0" indent="0">
+              <a:buNone/>
+            </a:pPr>
+            <a:endParaRPr lang="en-US" altLang="ja-JP" dirty="0"/>
+          </a:p>
+        </p:txBody>
+      </p:sp>
+      <p:sp>
+        <p:nvSpPr>
+          <p:cNvPr id="4" name="正方形/長方形 3">
+            <a:extLst>
+              <a:ext uri="{FF2B5EF4-FFF2-40B4-BE49-F238E27FC236}">
+                <a16:creationId xmlns:a16="http://schemas.microsoft.com/office/drawing/2014/main" id="{904DF11C-219A-483D-8B85-63ABD7782FF1}"/>
+              </a:ext>
+            </a:extLst>
+          </p:cNvPr>
+          <p:cNvSpPr/>
+          <p:nvPr/>
+        </p:nvSpPr>
+        <p:spPr>
+          <a:xfrm>
+            <a:off x="1484851" y="2986481"/>
+            <a:ext cx="2038525" cy="1963024"/>
+          </a:xfrm>
+          <a:prstGeom prst="rect">
+            <a:avLst/>
+          </a:prstGeom>
+        </p:spPr>
+        <p:style>
+          <a:lnRef idx="2">
+            <a:schemeClr val="accent1">
+              <a:shade val="50000"/>
+            </a:schemeClr>
+          </a:lnRef>
+          <a:fillRef idx="1">
+            <a:schemeClr val="accent1"/>
+          </a:fillRef>
+          <a:effectRef idx="0">
+            <a:schemeClr val="accent1"/>
+          </a:effectRef>
+          <a:fontRef idx="minor">
+            <a:schemeClr val="lt1"/>
+          </a:fontRef>
+        </p:style>
+        <p:txBody>
+          <a:bodyPr rtlCol="0" anchor="ctr"/>
+          <a:lstStyle/>
+          <a:p>
+            <a:pPr algn="ctr"/>
+            <a:r>
+              <a:rPr kumimoji="1" lang="en-US" altLang="ja-JP" dirty="0"/>
+              <a:t>login</a:t>
+            </a:r>
+            <a:endParaRPr kumimoji="1" lang="ja-JP" altLang="en-US" dirty="0"/>
+          </a:p>
+        </p:txBody>
+      </p:sp>
+      <p:sp>
+        <p:nvSpPr>
+          <p:cNvPr id="5" name="正方形/長方形 4">
+            <a:extLst>
+              <a:ext uri="{FF2B5EF4-FFF2-40B4-BE49-F238E27FC236}">
+                <a16:creationId xmlns:a16="http://schemas.microsoft.com/office/drawing/2014/main" id="{24CE04F4-2954-4250-9AD2-695EF3115BD1}"/>
+              </a:ext>
+            </a:extLst>
+          </p:cNvPr>
+          <p:cNvSpPr/>
+          <p:nvPr/>
+        </p:nvSpPr>
+        <p:spPr>
+          <a:xfrm>
+            <a:off x="4057475" y="2986481"/>
+            <a:ext cx="2871831" cy="1963024"/>
+          </a:xfrm>
+          <a:prstGeom prst="rect">
+            <a:avLst/>
+          </a:prstGeom>
+        </p:spPr>
+        <p:style>
+          <a:lnRef idx="2">
+            <a:schemeClr val="accent1">
+              <a:shade val="50000"/>
+            </a:schemeClr>
+          </a:lnRef>
+          <a:fillRef idx="1">
+            <a:schemeClr val="accent1"/>
+          </a:fillRef>
+          <a:effectRef idx="0">
+            <a:schemeClr val="accent1"/>
+          </a:effectRef>
+          <a:fontRef idx="minor">
+            <a:schemeClr val="lt1"/>
+          </a:fontRef>
+        </p:style>
+        <p:txBody>
+          <a:bodyPr rtlCol="0" anchor="ctr"/>
+          <a:lstStyle/>
+          <a:p>
+            <a:pPr algn="ctr"/>
+            <a:endParaRPr kumimoji="1" lang="ja-JP" altLang="en-US" dirty="0"/>
+          </a:p>
+        </p:txBody>
+      </p:sp>
+      <p:sp>
+        <p:nvSpPr>
+          <p:cNvPr id="6" name="正方形/長方形 5">
+            <a:extLst>
+              <a:ext uri="{FF2B5EF4-FFF2-40B4-BE49-F238E27FC236}">
+                <a16:creationId xmlns:a16="http://schemas.microsoft.com/office/drawing/2014/main" id="{B1EDB75D-D209-4709-95CE-A6DE93873612}"/>
+              </a:ext>
+            </a:extLst>
+          </p:cNvPr>
+          <p:cNvSpPr/>
+          <p:nvPr/>
+        </p:nvSpPr>
+        <p:spPr>
+          <a:xfrm>
+            <a:off x="4170026" y="3154261"/>
+            <a:ext cx="1229687" cy="274739"/>
+          </a:xfrm>
+          <a:prstGeom prst="rect">
+            <a:avLst/>
+          </a:prstGeom>
+        </p:spPr>
+        <p:style>
+          <a:lnRef idx="2">
+            <a:schemeClr val="accent2">
+              <a:shade val="50000"/>
+            </a:schemeClr>
+          </a:lnRef>
+          <a:fillRef idx="1">
+            <a:schemeClr val="accent2"/>
+          </a:fillRef>
+          <a:effectRef idx="0">
+            <a:schemeClr val="accent2"/>
+          </a:effectRef>
+          <a:fontRef idx="minor">
+            <a:schemeClr val="lt1"/>
+          </a:fontRef>
+        </p:style>
+        <p:txBody>
+          <a:bodyPr rtlCol="0" anchor="ctr"/>
+          <a:lstStyle/>
+          <a:p>
+            <a:pPr algn="ctr"/>
+            <a:r>
+              <a:rPr kumimoji="1" lang="en-US" altLang="ja-JP" dirty="0"/>
+              <a:t>project1</a:t>
+            </a:r>
+            <a:endParaRPr kumimoji="1" lang="ja-JP" altLang="en-US" dirty="0"/>
+          </a:p>
+        </p:txBody>
+      </p:sp>
+      <p:sp>
+        <p:nvSpPr>
+          <p:cNvPr id="7" name="正方形/長方形 6">
+            <a:extLst>
+              <a:ext uri="{FF2B5EF4-FFF2-40B4-BE49-F238E27FC236}">
+                <a16:creationId xmlns:a16="http://schemas.microsoft.com/office/drawing/2014/main" id="{3EC60906-1AFF-4415-8757-8ED0ABD12C02}"/>
+              </a:ext>
+            </a:extLst>
+          </p:cNvPr>
+          <p:cNvSpPr/>
+          <p:nvPr/>
+        </p:nvSpPr>
+        <p:spPr>
+          <a:xfrm>
+            <a:off x="5481156" y="3154261"/>
+            <a:ext cx="1229687" cy="274739"/>
+          </a:xfrm>
+          <a:prstGeom prst="rect">
+            <a:avLst/>
+          </a:prstGeom>
+        </p:spPr>
+        <p:style>
+          <a:lnRef idx="2">
+            <a:schemeClr val="accent2">
+              <a:shade val="50000"/>
+            </a:schemeClr>
+          </a:lnRef>
+          <a:fillRef idx="1">
+            <a:schemeClr val="accent2"/>
+          </a:fillRef>
+          <a:effectRef idx="0">
+            <a:schemeClr val="accent2"/>
+          </a:effectRef>
+          <a:fontRef idx="minor">
+            <a:schemeClr val="lt1"/>
+          </a:fontRef>
+        </p:style>
+        <p:txBody>
+          <a:bodyPr rtlCol="0" anchor="ctr"/>
+          <a:lstStyle/>
+          <a:p>
+            <a:pPr algn="ctr"/>
+            <a:r>
+              <a:rPr kumimoji="1" lang="en-US" altLang="ja-JP" dirty="0"/>
+              <a:t>project2</a:t>
+            </a:r>
+            <a:endParaRPr kumimoji="1" lang="ja-JP" altLang="en-US" dirty="0"/>
+          </a:p>
+        </p:txBody>
+      </p:sp>
+      <p:sp>
+        <p:nvSpPr>
+          <p:cNvPr id="8" name="正方形/長方形 7">
+            <a:extLst>
+              <a:ext uri="{FF2B5EF4-FFF2-40B4-BE49-F238E27FC236}">
+                <a16:creationId xmlns:a16="http://schemas.microsoft.com/office/drawing/2014/main" id="{673FC298-E980-40AF-AB20-A37BA24E8CB3}"/>
+              </a:ext>
+            </a:extLst>
+          </p:cNvPr>
+          <p:cNvSpPr/>
+          <p:nvPr/>
+        </p:nvSpPr>
+        <p:spPr>
+          <a:xfrm>
+            <a:off x="7564072" y="2986481"/>
+            <a:ext cx="4918745" cy="1963024"/>
+          </a:xfrm>
+          <a:prstGeom prst="rect">
+            <a:avLst/>
+          </a:prstGeom>
+        </p:spPr>
+        <p:style>
+          <a:lnRef idx="2">
+            <a:schemeClr val="accent1">
+              <a:shade val="50000"/>
+            </a:schemeClr>
+          </a:lnRef>
+          <a:fillRef idx="1">
+            <a:schemeClr val="accent1"/>
+          </a:fillRef>
+          <a:effectRef idx="0">
+            <a:schemeClr val="accent1"/>
+          </a:effectRef>
+          <a:fontRef idx="minor">
+            <a:schemeClr val="lt1"/>
+          </a:fontRef>
+        </p:style>
+        <p:txBody>
+          <a:bodyPr rtlCol="0" anchor="ctr"/>
+          <a:lstStyle/>
+          <a:p>
+            <a:pPr algn="ctr"/>
+            <a:endParaRPr kumimoji="1" lang="ja-JP" altLang="en-US" dirty="0"/>
+          </a:p>
+        </p:txBody>
+      </p:sp>
+      <p:sp>
+        <p:nvSpPr>
+          <p:cNvPr id="9" name="正方形/長方形 8">
+            <a:extLst>
+              <a:ext uri="{FF2B5EF4-FFF2-40B4-BE49-F238E27FC236}">
+                <a16:creationId xmlns:a16="http://schemas.microsoft.com/office/drawing/2014/main" id="{AD95F2BA-2B71-491F-9F5F-E7821BA0AFE9}"/>
+              </a:ext>
+            </a:extLst>
+          </p:cNvPr>
+          <p:cNvSpPr/>
+          <p:nvPr/>
+        </p:nvSpPr>
+        <p:spPr>
+          <a:xfrm>
+            <a:off x="7710180" y="3160553"/>
+            <a:ext cx="1229687" cy="274739"/>
+          </a:xfrm>
+          <a:prstGeom prst="rect">
+            <a:avLst/>
+          </a:prstGeom>
+        </p:spPr>
+        <p:style>
+          <a:lnRef idx="2">
+            <a:schemeClr val="accent2">
+              <a:shade val="50000"/>
+            </a:schemeClr>
+          </a:lnRef>
+          <a:fillRef idx="1">
+            <a:schemeClr val="accent2"/>
+          </a:fillRef>
+          <a:effectRef idx="0">
+            <a:schemeClr val="accent2"/>
+          </a:effectRef>
+          <a:fontRef idx="minor">
+            <a:schemeClr val="lt1"/>
+          </a:fontRef>
+        </p:style>
+        <p:txBody>
+          <a:bodyPr rtlCol="0" anchor="ctr"/>
+          <a:lstStyle/>
+          <a:p>
+            <a:pPr algn="ctr"/>
+            <a:r>
+              <a:rPr kumimoji="1" lang="en-US" altLang="ja-JP" dirty="0"/>
+              <a:t>project1</a:t>
+            </a:r>
+            <a:endParaRPr kumimoji="1" lang="ja-JP" altLang="en-US" dirty="0"/>
+          </a:p>
+        </p:txBody>
+      </p:sp>
+      <p:sp>
+        <p:nvSpPr>
+          <p:cNvPr id="10" name="テキスト ボックス 9">
+            <a:extLst>
+              <a:ext uri="{FF2B5EF4-FFF2-40B4-BE49-F238E27FC236}">
+                <a16:creationId xmlns:a16="http://schemas.microsoft.com/office/drawing/2014/main" id="{9B981285-8CFF-4FC3-817A-7664D1DAF277}"/>
+              </a:ext>
+            </a:extLst>
+          </p:cNvPr>
+          <p:cNvSpPr txBox="1"/>
+          <p:nvPr/>
+        </p:nvSpPr>
+        <p:spPr>
+          <a:xfrm>
+            <a:off x="7867823" y="3495023"/>
+            <a:ext cx="914400" cy="369332"/>
+          </a:xfrm>
+          <a:prstGeom prst="rect">
+            <a:avLst/>
+          </a:prstGeom>
+          <a:noFill/>
+        </p:spPr>
+        <p:txBody>
+          <a:bodyPr wrap="square" rtlCol="0">
+            <a:spAutoFit/>
+          </a:bodyPr>
+          <a:lstStyle/>
+          <a:p>
+            <a:r>
+              <a:rPr kumimoji="1" lang="en-US" altLang="ja-JP" dirty="0"/>
+              <a:t>AAA</a:t>
+            </a:r>
+            <a:endParaRPr kumimoji="1" lang="ja-JP" altLang="en-US" dirty="0"/>
+          </a:p>
+        </p:txBody>
+      </p:sp>
+      <p:sp>
+        <p:nvSpPr>
+          <p:cNvPr id="11" name="テキスト ボックス 10">
+            <a:extLst>
+              <a:ext uri="{FF2B5EF4-FFF2-40B4-BE49-F238E27FC236}">
+                <a16:creationId xmlns:a16="http://schemas.microsoft.com/office/drawing/2014/main" id="{6750A65E-3C8C-4A69-9B14-F1E9B6C78F31}"/>
+              </a:ext>
+            </a:extLst>
+          </p:cNvPr>
+          <p:cNvSpPr txBox="1"/>
+          <p:nvPr/>
+        </p:nvSpPr>
+        <p:spPr>
+          <a:xfrm>
+            <a:off x="8628773" y="3495023"/>
+            <a:ext cx="1404460" cy="369332"/>
+          </a:xfrm>
+          <a:prstGeom prst="rect">
+            <a:avLst/>
+          </a:prstGeom>
+          <a:noFill/>
+        </p:spPr>
+        <p:txBody>
+          <a:bodyPr wrap="square" rtlCol="0">
+            <a:spAutoFit/>
+          </a:bodyPr>
+          <a:lstStyle/>
+          <a:p>
+            <a:r>
+              <a:rPr kumimoji="1" lang="en-US" altLang="ja-JP" dirty="0"/>
+              <a:t>8x updated</a:t>
+            </a:r>
+            <a:endParaRPr kumimoji="1" lang="ja-JP" altLang="en-US" dirty="0"/>
+          </a:p>
+        </p:txBody>
+      </p:sp>
+      <p:sp>
+        <p:nvSpPr>
+          <p:cNvPr id="12" name="テキスト ボックス 11">
+            <a:extLst>
+              <a:ext uri="{FF2B5EF4-FFF2-40B4-BE49-F238E27FC236}">
+                <a16:creationId xmlns:a16="http://schemas.microsoft.com/office/drawing/2014/main" id="{48B665FD-C0A5-434C-9325-C365B83426E5}"/>
+              </a:ext>
+            </a:extLst>
+          </p:cNvPr>
+          <p:cNvSpPr txBox="1"/>
+          <p:nvPr/>
+        </p:nvSpPr>
+        <p:spPr>
+          <a:xfrm>
+            <a:off x="10004919" y="3450981"/>
+            <a:ext cx="1404460" cy="369332"/>
+          </a:xfrm>
+          <a:prstGeom prst="rect">
+            <a:avLst/>
+          </a:prstGeom>
+          <a:noFill/>
+        </p:spPr>
+        <p:txBody>
+          <a:bodyPr wrap="square" rtlCol="0">
+            <a:spAutoFit/>
+          </a:bodyPr>
+          <a:lstStyle/>
+          <a:p>
+            <a:r>
+              <a:rPr lang="en-US" altLang="ja-JP" dirty="0"/>
+              <a:t>Non check</a:t>
+            </a:r>
+            <a:endParaRPr kumimoji="1" lang="ja-JP" altLang="en-US" dirty="0"/>
+          </a:p>
+        </p:txBody>
+      </p:sp>
+      <p:sp>
+        <p:nvSpPr>
+          <p:cNvPr id="13" name="テキスト ボックス 12">
+            <a:extLst>
+              <a:ext uri="{FF2B5EF4-FFF2-40B4-BE49-F238E27FC236}">
+                <a16:creationId xmlns:a16="http://schemas.microsoft.com/office/drawing/2014/main" id="{76DFD692-2E3F-4909-B2F5-7945CC1FDEF0}"/>
+              </a:ext>
+            </a:extLst>
+          </p:cNvPr>
+          <p:cNvSpPr txBox="1"/>
+          <p:nvPr/>
+        </p:nvSpPr>
+        <p:spPr>
+          <a:xfrm>
+            <a:off x="11277075" y="3435292"/>
+            <a:ext cx="1404460" cy="369332"/>
+          </a:xfrm>
+          <a:prstGeom prst="rect">
+            <a:avLst/>
+          </a:prstGeom>
+          <a:noFill/>
+        </p:spPr>
+        <p:txBody>
+          <a:bodyPr wrap="square" rtlCol="0">
+            <a:spAutoFit/>
+          </a:bodyPr>
+          <a:lstStyle/>
+          <a:p>
+            <a:r>
+              <a:rPr lang="en-US" altLang="ja-JP" dirty="0"/>
+              <a:t>download</a:t>
+            </a:r>
+            <a:endParaRPr kumimoji="1" lang="ja-JP" altLang="en-US" dirty="0"/>
+          </a:p>
+        </p:txBody>
+      </p:sp>
+      <p:sp>
+        <p:nvSpPr>
+          <p:cNvPr id="14" name="四角形: 角を丸くする 13">
+            <a:extLst>
+              <a:ext uri="{FF2B5EF4-FFF2-40B4-BE49-F238E27FC236}">
+                <a16:creationId xmlns:a16="http://schemas.microsoft.com/office/drawing/2014/main" id="{5B653944-A25A-48A7-AE06-BE6398FF8022}"/>
+              </a:ext>
+            </a:extLst>
+          </p:cNvPr>
+          <p:cNvSpPr/>
+          <p:nvPr/>
+        </p:nvSpPr>
+        <p:spPr>
+          <a:xfrm>
+            <a:off x="9266514" y="3160552"/>
+            <a:ext cx="1149292" cy="274739"/>
+          </a:xfrm>
+          <a:prstGeom prst="roundRect">
+            <a:avLst/>
+          </a:prstGeom>
+        </p:spPr>
+        <p:style>
+          <a:lnRef idx="2">
+            <a:schemeClr val="accent6">
+              <a:shade val="50000"/>
+            </a:schemeClr>
+          </a:lnRef>
+          <a:fillRef idx="1">
+            <a:schemeClr val="accent6"/>
+          </a:fillRef>
+          <a:effectRef idx="0">
+            <a:schemeClr val="accent6"/>
+          </a:effectRef>
+          <a:fontRef idx="minor">
+            <a:schemeClr val="lt1"/>
+          </a:fontRef>
+        </p:style>
+        <p:txBody>
+          <a:bodyPr rtlCol="0" anchor="ctr"/>
+          <a:lstStyle/>
+          <a:p>
+            <a:pPr algn="ctr"/>
+            <a:r>
+              <a:rPr kumimoji="1" lang="en-US" altLang="ja-JP" dirty="0"/>
+              <a:t>search</a:t>
+            </a:r>
+            <a:endParaRPr kumimoji="1" lang="ja-JP" altLang="en-US" dirty="0"/>
+          </a:p>
+        </p:txBody>
+      </p:sp>
+    </p:spTree>
+    <p:extLst>
+      <p:ext uri="{BB962C8B-B14F-4D97-AF65-F5344CB8AC3E}">
+        <p14:creationId xmlns:p14="http://schemas.microsoft.com/office/powerpoint/2010/main" val="3203390352"/>
+      </p:ext>
+    </p:extLst>
+  </p:cSld>
+  <p:clrMapOvr>
+    <a:masterClrMapping/>
+  </p:clrMapOvr>
+</p:sld>
+</file>
+
+<file path=ppt/slides/slide11.xml><?xml version="1.0" encoding="utf-8"?>
+<p:sld xmlns:a="http://schemas.openxmlformats.org/drawingml/2006/main" xmlns:r="http://schemas.openxmlformats.org/officeDocument/2006/relationships" xmlns:p="http://schemas.openxmlformats.org/presentationml/2006/main">
+  <p:cSld>
+    <p:spTree>
+      <p:nvGrpSpPr>
+        <p:cNvPr id="1" name=""/>
+        <p:cNvGrpSpPr/>
+        <p:nvPr/>
+      </p:nvGrpSpPr>
+      <p:grpSpPr>
+        <a:xfrm>
+          <a:off x="0" y="0"/>
+          <a:ext cx="0" cy="0"/>
+          <a:chOff x="0" y="0"/>
+          <a:chExt cx="0" cy="0"/>
+        </a:xfrm>
+      </p:grpSpPr>
+      <p:sp>
+        <p:nvSpPr>
+          <p:cNvPr id="2" name="タイトル 1">
+            <a:extLst>
+              <a:ext uri="{FF2B5EF4-FFF2-40B4-BE49-F238E27FC236}">
+                <a16:creationId xmlns:a16="http://schemas.microsoft.com/office/drawing/2014/main" id="{A31E8975-7D35-4E2C-810A-5956F2EAB5B4}"/>
+              </a:ext>
+            </a:extLst>
+          </p:cNvPr>
+          <p:cNvSpPr>
+            <a:spLocks noGrp="1"/>
+          </p:cNvSpPr>
+          <p:nvPr>
+            <p:ph type="title"/>
+          </p:nvPr>
+        </p:nvSpPr>
+        <p:spPr/>
+        <p:txBody>
+          <a:bodyPr/>
+          <a:lstStyle/>
+          <a:p>
+            <a:r>
+              <a:rPr kumimoji="1" lang="en-US" altLang="ja-JP" dirty="0" err="1"/>
+              <a:t>Dự</a:t>
+            </a:r>
+            <a:r>
+              <a:rPr kumimoji="1" lang="en-US" altLang="ja-JP" dirty="0"/>
+              <a:t> </a:t>
+            </a:r>
+            <a:r>
+              <a:rPr kumimoji="1" lang="en-US" altLang="ja-JP" dirty="0" err="1"/>
+              <a:t>án</a:t>
+            </a:r>
+            <a:r>
+              <a:rPr kumimoji="1" lang="en-US" altLang="ja-JP" dirty="0"/>
+              <a:t> </a:t>
+            </a:r>
+            <a:r>
+              <a:rPr kumimoji="1" lang="en-US" altLang="ja-JP" dirty="0" err="1"/>
+              <a:t>quả</a:t>
+            </a:r>
+            <a:r>
+              <a:rPr lang="en-US" altLang="ja-JP" dirty="0" err="1"/>
+              <a:t>n</a:t>
+            </a:r>
+            <a:r>
+              <a:rPr lang="en-US" altLang="ja-JP" dirty="0"/>
+              <a:t> </a:t>
+            </a:r>
+            <a:r>
+              <a:rPr lang="en-US" altLang="ja-JP" dirty="0" err="1"/>
+              <a:t>lý</a:t>
+            </a:r>
+            <a:r>
+              <a:rPr lang="en-US" altLang="ja-JP" dirty="0"/>
+              <a:t> </a:t>
+            </a:r>
+            <a:r>
+              <a:rPr lang="en-US" altLang="ja-JP" dirty="0" err="1"/>
+              <a:t>tài</a:t>
+            </a:r>
+            <a:r>
+              <a:rPr lang="en-US" altLang="ja-JP" dirty="0"/>
+              <a:t> </a:t>
+            </a:r>
+            <a:r>
+              <a:rPr lang="en-US" altLang="ja-JP" dirty="0" err="1"/>
+              <a:t>liệu</a:t>
+            </a:r>
+            <a:endParaRPr kumimoji="1" lang="ja-JP" altLang="en-US" dirty="0"/>
+          </a:p>
+        </p:txBody>
+      </p:sp>
+      <p:sp>
+        <p:nvSpPr>
+          <p:cNvPr id="3" name="コンテンツ プレースホルダー 2">
+            <a:extLst>
+              <a:ext uri="{FF2B5EF4-FFF2-40B4-BE49-F238E27FC236}">
+                <a16:creationId xmlns:a16="http://schemas.microsoft.com/office/drawing/2014/main" id="{97DAD557-DE99-44F5-A23D-03A2629AA0F3}"/>
+              </a:ext>
+            </a:extLst>
+          </p:cNvPr>
+          <p:cNvSpPr>
+            <a:spLocks noGrp="1"/>
+          </p:cNvSpPr>
+          <p:nvPr>
+            <p:ph idx="1"/>
+          </p:nvPr>
+        </p:nvSpPr>
+        <p:spPr/>
+        <p:txBody>
+          <a:bodyPr/>
+          <a:lstStyle/>
+          <a:p>
+            <a:r>
+              <a:rPr kumimoji="1" lang="en-US" altLang="ja-JP" dirty="0" err="1"/>
+              <a:t>Công</a:t>
+            </a:r>
+            <a:r>
+              <a:rPr kumimoji="1" lang="en-US" altLang="ja-JP" dirty="0"/>
+              <a:t> </a:t>
+            </a:r>
+            <a:r>
+              <a:rPr kumimoji="1" lang="en-US" altLang="ja-JP" dirty="0" err="1"/>
+              <a:t>nghệ</a:t>
+            </a:r>
+            <a:endParaRPr kumimoji="1" lang="en-US" altLang="ja-JP" dirty="0"/>
+          </a:p>
+          <a:p>
+            <a:pPr lvl="1"/>
+            <a:r>
+              <a:rPr lang="en-US" altLang="ja-JP" dirty="0"/>
+              <a:t>Front end: react</a:t>
+            </a:r>
+          </a:p>
+          <a:p>
+            <a:pPr lvl="1"/>
+            <a:r>
+              <a:rPr kumimoji="1" lang="en-US" altLang="ja-JP" dirty="0"/>
+              <a:t>Back end: flask (EC2 </a:t>
+            </a:r>
+            <a:r>
+              <a:rPr kumimoji="1" lang="en-US" altLang="ja-JP" dirty="0" err="1"/>
+              <a:t>của</a:t>
+            </a:r>
+            <a:r>
+              <a:rPr kumimoji="1" lang="en-US" altLang="ja-JP" dirty="0"/>
+              <a:t> AWS)</a:t>
+            </a:r>
+            <a:endParaRPr lang="en-US" altLang="ja-JP" dirty="0"/>
+          </a:p>
+          <a:p>
+            <a:pPr lvl="1"/>
+            <a:r>
+              <a:rPr kumimoji="1" lang="en-US" altLang="ja-JP" dirty="0"/>
+              <a:t>Data Storage: S3 (AWS)</a:t>
+            </a:r>
+            <a:endParaRPr kumimoji="1" lang="ja-JP" altLang="en-US" dirty="0"/>
+          </a:p>
+        </p:txBody>
+      </p:sp>
+    </p:spTree>
+    <p:extLst>
+      <p:ext uri="{BB962C8B-B14F-4D97-AF65-F5344CB8AC3E}">
+        <p14:creationId xmlns:p14="http://schemas.microsoft.com/office/powerpoint/2010/main" val="1505498681"/>
+      </p:ext>
+    </p:extLst>
+  </p:cSld>
+  <p:clrMapOvr>
+    <a:masterClrMapping/>
+  </p:clrMapOvr>
+</p:sld>
+</file>
+
 <file path=ppt/slides/slide2.xml><?xml version="1.0" encoding="utf-8"?>
 <p:sld xmlns:a="http://schemas.openxmlformats.org/drawingml/2006/main" xmlns:r="http://schemas.openxmlformats.org/officeDocument/2006/relationships" xmlns:p="http://schemas.openxmlformats.org/presentationml/2006/main">
   <p:cSld>
@@ -3871,6 +4741,18 @@
               <a:rPr lang="en-US" altLang="ja-JP" dirty="0" err="1"/>
               <a:t>gian</a:t>
             </a:r>
+            <a:r>
+              <a:rPr lang="ja-JP" altLang="en-US" dirty="0"/>
+              <a:t>：</a:t>
+            </a:r>
+            <a:r>
+              <a:rPr lang="en-US" altLang="ja-JP" dirty="0"/>
+              <a:t>1 </a:t>
+            </a:r>
+            <a:r>
+              <a:rPr lang="en-US" altLang="ja-JP" dirty="0" err="1"/>
+              <a:t>tháng</a:t>
+            </a:r>
             <a:endParaRPr lang="en-US" altLang="ja-JP" dirty="0"/>
           </a:p>
           <a:p>
@@ -3907,13 +4789,8 @@
             </a:r>
             <a:r>
               <a:rPr lang="en-US" altLang="ja-JP" dirty="0"/>
-              <a:t> lao </a:t>
-            </a:r>
-            <a:r>
-              <a:rPr lang="en-US" altLang="ja-JP" dirty="0" err="1"/>
-              <a:t>intership</a:t>
-            </a:r>
-            <a:endParaRPr lang="en-US" altLang="ja-JP" dirty="0"/>
+              <a:t> lao internship</a:t>
+            </a:r>
           </a:p>
           <a:p>
             <a:pPr marL="914400" lvl="1" indent="-457200">
@@ -3992,7 +4869,11 @@
             </a:r>
             <a:r>
               <a:rPr kumimoji="1" lang="en-US" altLang="ja-JP" dirty="0" err="1"/>
-              <a:t>hachix</a:t>
+              <a:t>Huy</a:t>
+            </a:r>
+            <a:r>
+              <a:rPr kumimoji="1" lang="en-US" altLang="ja-JP" dirty="0"/>
+              <a:t> Nguyễn</a:t>
             </a:r>
             <a:endParaRPr kumimoji="1" lang="ja-JP" altLang="en-US" dirty="0"/>
           </a:p>
@@ -4024,27 +4905,90 @@
             </a:pPr>
             <a:r>
               <a:rPr lang="en-US" altLang="ja-JP" dirty="0" err="1"/>
-              <a:t>Cách</a:t>
-            </a:r>
-            <a:r>
-              <a:rPr lang="en-US" altLang="ja-JP" dirty="0"/>
-              <a:t> </a:t>
-            </a:r>
-            <a:r>
-              <a:rPr lang="en-US" altLang="ja-JP" dirty="0" err="1"/>
-              <a:t>quản</a:t>
-            </a:r>
-            <a:r>
-              <a:rPr lang="en-US" altLang="ja-JP" dirty="0"/>
-              <a:t> </a:t>
-            </a:r>
-            <a:r>
-              <a:rPr lang="en-US" altLang="ja-JP" dirty="0" err="1"/>
-              <a:t>lý</a:t>
-            </a:r>
-            <a:r>
-              <a:rPr lang="en-US" altLang="ja-JP" dirty="0"/>
-              <a:t> project</a:t>
+              <a:t>Tên</a:t>
+            </a:r>
+            <a:r>
+              <a:rPr lang="en-US" altLang="ja-JP" dirty="0"/>
+              <a:t>: Gia </a:t>
+            </a:r>
+            <a:r>
+              <a:rPr lang="en-US" altLang="ja-JP" dirty="0" err="1"/>
+              <a:t>Huy</a:t>
+            </a:r>
+            <a:endParaRPr lang="en-US" altLang="ja-JP" dirty="0"/>
+          </a:p>
+          <a:p>
+            <a:pPr marL="914400" lvl="1" indent="-457200">
+              <a:buAutoNum type="arabicPeriod"/>
+            </a:pPr>
+            <a:r>
+              <a:rPr lang="en-US" altLang="ja-JP" dirty="0" err="1"/>
+              <a:t>Tuổi</a:t>
+            </a:r>
+            <a:r>
+              <a:rPr lang="en-US" altLang="ja-JP" dirty="0"/>
+              <a:t>: 21</a:t>
+            </a:r>
+          </a:p>
+          <a:p>
+            <a:pPr marL="914400" lvl="1" indent="-457200">
+              <a:buAutoNum type="arabicPeriod"/>
+            </a:pPr>
+            <a:r>
+              <a:rPr lang="en-US" altLang="ja-JP" dirty="0" err="1"/>
+              <a:t>Kinh</a:t>
+            </a:r>
+            <a:r>
+              <a:rPr lang="en-US" altLang="ja-JP" dirty="0"/>
+              <a:t> </a:t>
+            </a:r>
+            <a:r>
+              <a:rPr lang="en-US" altLang="ja-JP" dirty="0" err="1"/>
+              <a:t>nghiệm</a:t>
+            </a:r>
+            <a:r>
+              <a:rPr lang="en-US" altLang="ja-JP" dirty="0"/>
+              <a:t>, </a:t>
+            </a:r>
+            <a:r>
+              <a:rPr lang="en-US" altLang="ja-JP" dirty="0" err="1"/>
+              <a:t>kỹ</a:t>
+            </a:r>
+            <a:r>
+              <a:rPr lang="en-US" altLang="ja-JP" dirty="0"/>
+              <a:t> </a:t>
+            </a:r>
+            <a:r>
+              <a:rPr lang="en-US" altLang="ja-JP" dirty="0" err="1"/>
+              <a:t>năng</a:t>
+            </a:r>
+            <a:r>
+              <a:rPr lang="en-US" altLang="ja-JP" dirty="0"/>
+              <a:t> </a:t>
+            </a:r>
+            <a:r>
+              <a:rPr lang="en-US" altLang="ja-JP" dirty="0" err="1"/>
+              <a:t>lập</a:t>
+            </a:r>
+            <a:r>
+              <a:rPr lang="en-US" altLang="ja-JP" dirty="0"/>
+              <a:t> </a:t>
+            </a:r>
+            <a:r>
+              <a:rPr lang="en-US" altLang="ja-JP" dirty="0" err="1"/>
+              <a:t>trình</a:t>
+            </a:r>
+            <a:r>
+              <a:rPr lang="en-US" altLang="ja-JP" dirty="0"/>
+              <a:t>: </a:t>
+            </a:r>
+            <a:r>
+              <a:rPr lang="en-US" altLang="ja-JP" dirty="0" err="1"/>
+              <a:t>năm</a:t>
+            </a:r>
+            <a:r>
+              <a:rPr lang="en-US" altLang="ja-JP" dirty="0"/>
+              <a:t> 3</a:t>
             </a:r>
           </a:p>
           <a:p>
@@ -4053,6 +4997,1632 @@
             </a:pPr>
             <a:r>
               <a:rPr lang="en-US" altLang="ja-JP" dirty="0" err="1"/>
+              <a:t>Đại</a:t>
+            </a:r>
+            <a:r>
+              <a:rPr lang="en-US" altLang="ja-JP" dirty="0"/>
+              <a:t> </a:t>
+            </a:r>
+            <a:r>
+              <a:rPr lang="en-US" altLang="ja-JP" dirty="0" err="1"/>
+              <a:t>học</a:t>
+            </a:r>
+            <a:r>
+              <a:rPr lang="en-US" altLang="ja-JP" dirty="0"/>
+              <a:t> </a:t>
+            </a:r>
+            <a:r>
+              <a:rPr lang="en-US" altLang="ja-JP" dirty="0" err="1"/>
+              <a:t>công</a:t>
+            </a:r>
+            <a:r>
+              <a:rPr lang="en-US" altLang="ja-JP" dirty="0"/>
+              <a:t> </a:t>
+            </a:r>
+            <a:r>
+              <a:rPr lang="en-US" altLang="ja-JP" dirty="0" err="1"/>
+              <a:t>nghệ</a:t>
+            </a:r>
+            <a:r>
+              <a:rPr lang="en-US" altLang="ja-JP" dirty="0"/>
+              <a:t> </a:t>
+            </a:r>
+            <a:r>
+              <a:rPr lang="en-US" altLang="ja-JP" dirty="0" err="1"/>
+              <a:t>thành</a:t>
+            </a:r>
+            <a:r>
+              <a:rPr lang="en-US" altLang="ja-JP" dirty="0"/>
+              <a:t> </a:t>
+            </a:r>
+            <a:r>
+              <a:rPr lang="en-US" altLang="ja-JP" dirty="0" err="1"/>
+              <a:t>phố</a:t>
+            </a:r>
+            <a:r>
+              <a:rPr lang="en-US" altLang="ja-JP" dirty="0"/>
+              <a:t> HCM</a:t>
+            </a:r>
+          </a:p>
+          <a:p>
+            <a:pPr marL="1371600" lvl="2" indent="-457200">
+              <a:buAutoNum type="arabicPeriod"/>
+            </a:pPr>
+            <a:r>
+              <a:rPr lang="en-US" altLang="ja-JP" dirty="0" err="1"/>
+              <a:t>Khóa</a:t>
+            </a:r>
+            <a:r>
+              <a:rPr lang="en-US" altLang="ja-JP" dirty="0"/>
+              <a:t> python</a:t>
+            </a:r>
+          </a:p>
+          <a:p>
+            <a:pPr marL="1371600" lvl="2" indent="-457200">
+              <a:buAutoNum type="arabicPeriod"/>
+            </a:pPr>
+            <a:r>
+              <a:rPr lang="en-US" altLang="ja-JP" dirty="0"/>
+              <a:t>1 </a:t>
+            </a:r>
+            <a:r>
+              <a:rPr lang="en-US" altLang="ja-JP" dirty="0" err="1"/>
+              <a:t>số</a:t>
+            </a:r>
+            <a:r>
+              <a:rPr lang="en-US" altLang="ja-JP" dirty="0"/>
+              <a:t> </a:t>
+            </a:r>
+            <a:r>
+              <a:rPr lang="en-US" altLang="ja-JP" dirty="0" err="1"/>
+              <a:t>khóa</a:t>
+            </a:r>
+            <a:r>
+              <a:rPr lang="en-US" altLang="ja-JP" dirty="0"/>
+              <a:t> front end</a:t>
+            </a:r>
+          </a:p>
+          <a:p>
+            <a:pPr marL="914400" lvl="1" indent="-457200">
+              <a:buAutoNum type="arabicPeriod"/>
+            </a:pPr>
+            <a:r>
+              <a:rPr lang="en-US" altLang="ja-JP" dirty="0" err="1"/>
+              <a:t>Quỹ</a:t>
+            </a:r>
+            <a:r>
+              <a:rPr lang="en-US" altLang="ja-JP" dirty="0"/>
+              <a:t> </a:t>
+            </a:r>
+            <a:r>
+              <a:rPr lang="en-US" altLang="ja-JP" dirty="0" err="1"/>
+              <a:t>thời</a:t>
+            </a:r>
+            <a:r>
+              <a:rPr lang="en-US" altLang="ja-JP" dirty="0"/>
+              <a:t> </a:t>
+            </a:r>
+            <a:r>
+              <a:rPr lang="en-US" altLang="ja-JP" dirty="0" err="1"/>
+              <a:t>gian</a:t>
+            </a:r>
+            <a:r>
+              <a:rPr lang="ja-JP" altLang="en-US" dirty="0"/>
+              <a:t>：</a:t>
+            </a:r>
+            <a:endParaRPr lang="en-US" altLang="ja-JP" dirty="0"/>
+          </a:p>
+          <a:p>
+            <a:pPr marL="1371600" lvl="2" indent="-457200">
+              <a:buAutoNum type="arabicPeriod"/>
+            </a:pPr>
+            <a:r>
+              <a:rPr lang="en-US" altLang="ja-JP" dirty="0"/>
+              <a:t>1 </a:t>
+            </a:r>
+            <a:r>
+              <a:rPr lang="en-US" altLang="ja-JP" dirty="0" err="1"/>
+              <a:t>tuần</a:t>
+            </a:r>
+            <a:r>
+              <a:rPr lang="en-US" altLang="ja-JP" dirty="0"/>
+              <a:t> </a:t>
+            </a:r>
+            <a:r>
+              <a:rPr lang="en-US" altLang="ja-JP" dirty="0" err="1"/>
+              <a:t>khoảng</a:t>
+            </a:r>
+            <a:r>
+              <a:rPr lang="en-US" altLang="ja-JP" dirty="0"/>
+              <a:t> </a:t>
+            </a:r>
+            <a:r>
+              <a:rPr lang="en-US" altLang="ja-JP" dirty="0" err="1"/>
+              <a:t>trên</a:t>
+            </a:r>
+            <a:r>
+              <a:rPr lang="en-US" altLang="ja-JP" dirty="0"/>
+              <a:t> 10 </a:t>
+            </a:r>
+            <a:r>
+              <a:rPr lang="en-US" altLang="ja-JP" dirty="0" err="1"/>
+              <a:t>tiếng</a:t>
+            </a:r>
+            <a:endParaRPr lang="en-US" altLang="ja-JP" dirty="0"/>
+          </a:p>
+          <a:p>
+            <a:pPr marL="914400" lvl="1" indent="-457200">
+              <a:buAutoNum type="arabicPeriod"/>
+            </a:pPr>
+            <a:r>
+              <a:rPr lang="en-US" altLang="ja-JP" dirty="0" err="1"/>
+              <a:t>Mong</a:t>
+            </a:r>
+            <a:r>
+              <a:rPr lang="en-US" altLang="ja-JP" dirty="0"/>
+              <a:t> </a:t>
+            </a:r>
+            <a:r>
+              <a:rPr lang="en-US" altLang="ja-JP" dirty="0" err="1"/>
+              <a:t>muốn</a:t>
+            </a:r>
+            <a:r>
+              <a:rPr lang="en-US" altLang="ja-JP" dirty="0"/>
+              <a:t> </a:t>
+            </a:r>
+            <a:r>
+              <a:rPr lang="en-US" altLang="ja-JP" dirty="0" err="1"/>
+              <a:t>về</a:t>
+            </a:r>
+            <a:r>
+              <a:rPr lang="en-US" altLang="ja-JP" dirty="0"/>
+              <a:t> </a:t>
+            </a:r>
+            <a:r>
+              <a:rPr lang="en-US" altLang="ja-JP" dirty="0" err="1"/>
+              <a:t>thù</a:t>
+            </a:r>
+            <a:r>
+              <a:rPr lang="en-US" altLang="ja-JP" dirty="0"/>
+              <a:t> lao internship</a:t>
+            </a:r>
+          </a:p>
+          <a:p>
+            <a:pPr marL="1371600" lvl="2" indent="-457200">
+              <a:buAutoNum type="arabicPeriod"/>
+            </a:pPr>
+            <a:r>
+              <a:rPr lang="en-US" altLang="ja-JP" dirty="0" err="1"/>
+              <a:t>Mong</a:t>
+            </a:r>
+            <a:r>
+              <a:rPr lang="en-US" altLang="ja-JP" dirty="0"/>
+              <a:t> </a:t>
+            </a:r>
+            <a:r>
+              <a:rPr lang="en-US" altLang="ja-JP" dirty="0" err="1"/>
+              <a:t>muốn</a:t>
+            </a:r>
+            <a:r>
+              <a:rPr lang="en-US" altLang="ja-JP" dirty="0"/>
+              <a:t> </a:t>
+            </a:r>
+            <a:r>
+              <a:rPr lang="en-US" altLang="ja-JP" dirty="0" err="1"/>
+              <a:t>lấy</a:t>
+            </a:r>
+            <a:r>
+              <a:rPr lang="en-US" altLang="ja-JP" dirty="0"/>
+              <a:t> </a:t>
+            </a:r>
+            <a:r>
+              <a:rPr lang="en-US" altLang="ja-JP" dirty="0" err="1"/>
+              <a:t>thêm</a:t>
+            </a:r>
+            <a:r>
+              <a:rPr lang="en-US" altLang="ja-JP" dirty="0"/>
+              <a:t> </a:t>
+            </a:r>
+            <a:r>
+              <a:rPr lang="en-US" altLang="ja-JP" dirty="0" err="1"/>
+              <a:t>kinh</a:t>
+            </a:r>
+            <a:r>
+              <a:rPr lang="en-US" altLang="ja-JP" dirty="0"/>
+              <a:t> </a:t>
+            </a:r>
+            <a:r>
+              <a:rPr lang="en-US" altLang="ja-JP" dirty="0" err="1"/>
+              <a:t>nghiệm</a:t>
+            </a:r>
+            <a:endParaRPr lang="en-US" altLang="ja-JP" dirty="0"/>
+          </a:p>
+          <a:p>
+            <a:pPr marL="914400" lvl="1" indent="-457200">
+              <a:buAutoNum type="arabicPeriod"/>
+            </a:pPr>
+            <a:endParaRPr lang="en-US" altLang="ja-JP" dirty="0"/>
+          </a:p>
+        </p:txBody>
+      </p:sp>
+    </p:spTree>
+    <p:extLst>
+      <p:ext uri="{BB962C8B-B14F-4D97-AF65-F5344CB8AC3E}">
+        <p14:creationId xmlns:p14="http://schemas.microsoft.com/office/powerpoint/2010/main" val="2956668568"/>
+      </p:ext>
+    </p:extLst>
+  </p:cSld>
+  <p:clrMapOvr>
+    <a:masterClrMapping/>
+  </p:clrMapOvr>
+</p:sld>
+</file>
+
+<file path=ppt/slides/slide4.xml><?xml version="1.0" encoding="utf-8"?>
+<p:sld xmlns:a="http://schemas.openxmlformats.org/drawingml/2006/main" xmlns:r="http://schemas.openxmlformats.org/officeDocument/2006/relationships" xmlns:p="http://schemas.openxmlformats.org/presentationml/2006/main">
+  <p:cSld>
+    <p:spTree>
+      <p:nvGrpSpPr>
+        <p:cNvPr id="1" name=""/>
+        <p:cNvGrpSpPr/>
+        <p:nvPr/>
+      </p:nvGrpSpPr>
+      <p:grpSpPr>
+        <a:xfrm>
+          <a:off x="0" y="0"/>
+          <a:ext cx="0" cy="0"/>
+          <a:chOff x="0" y="0"/>
+          <a:chExt cx="0" cy="0"/>
+        </a:xfrm>
+      </p:grpSpPr>
+      <p:sp>
+        <p:nvSpPr>
+          <p:cNvPr id="2" name="タイトル 1">
+            <a:extLst>
+              <a:ext uri="{FF2B5EF4-FFF2-40B4-BE49-F238E27FC236}">
+                <a16:creationId xmlns:a16="http://schemas.microsoft.com/office/drawing/2014/main" id="{892320CC-ACF8-469C-B94E-9FF91802192B}"/>
+              </a:ext>
+            </a:extLst>
+          </p:cNvPr>
+          <p:cNvSpPr>
+            <a:spLocks noGrp="1"/>
+          </p:cNvSpPr>
+          <p:nvPr>
+            <p:ph type="title"/>
+          </p:nvPr>
+        </p:nvSpPr>
+        <p:spPr/>
+        <p:txBody>
+          <a:bodyPr/>
+          <a:lstStyle/>
+          <a:p>
+            <a:r>
+              <a:rPr kumimoji="1" lang="en-US" altLang="ja-JP" dirty="0" err="1"/>
+              <a:t>Giới</a:t>
+            </a:r>
+            <a:r>
+              <a:rPr kumimoji="1" lang="en-US" altLang="ja-JP" dirty="0"/>
+              <a:t> </a:t>
+            </a:r>
+            <a:r>
+              <a:rPr kumimoji="1" lang="en-US" altLang="ja-JP" dirty="0" err="1"/>
+              <a:t>thiệu</a:t>
+            </a:r>
+            <a:r>
+              <a:rPr kumimoji="1" lang="en-US" altLang="ja-JP" dirty="0"/>
+              <a:t> </a:t>
+            </a:r>
+            <a:r>
+              <a:rPr kumimoji="1" lang="en-US" altLang="ja-JP" dirty="0" err="1"/>
+              <a:t>Khánh</a:t>
+            </a:r>
+            <a:r>
+              <a:rPr kumimoji="1" lang="en-US" altLang="ja-JP" dirty="0"/>
+              <a:t> Nam</a:t>
+            </a:r>
+            <a:endParaRPr kumimoji="1" lang="ja-JP" altLang="en-US" dirty="0"/>
+          </a:p>
+        </p:txBody>
+      </p:sp>
+      <p:sp>
+        <p:nvSpPr>
+          <p:cNvPr id="3" name="コンテンツ プレースホルダー 2">
+            <a:extLst>
+              <a:ext uri="{FF2B5EF4-FFF2-40B4-BE49-F238E27FC236}">
+                <a16:creationId xmlns:a16="http://schemas.microsoft.com/office/drawing/2014/main" id="{D900A0D7-DBCE-436E-B45C-04CF7D04D335}"/>
+              </a:ext>
+            </a:extLst>
+          </p:cNvPr>
+          <p:cNvSpPr>
+            <a:spLocks noGrp="1"/>
+          </p:cNvSpPr>
+          <p:nvPr>
+            <p:ph idx="1"/>
+          </p:nvPr>
+        </p:nvSpPr>
+        <p:spPr/>
+        <p:txBody>
+          <a:bodyPr/>
+          <a:lstStyle/>
+          <a:p>
+            <a:pPr marL="914400" lvl="1" indent="-457200">
+              <a:buAutoNum type="arabicPeriod"/>
+            </a:pPr>
+            <a:r>
+              <a:rPr lang="en-US" altLang="ja-JP" dirty="0" err="1"/>
+              <a:t>Tên</a:t>
+            </a:r>
+            <a:r>
+              <a:rPr lang="en-US" altLang="ja-JP" dirty="0"/>
+              <a:t>: </a:t>
+            </a:r>
+            <a:r>
+              <a:rPr lang="en-US" altLang="ja-JP" dirty="0" err="1"/>
+              <a:t>Khánh</a:t>
+            </a:r>
+            <a:r>
+              <a:rPr lang="en-US" altLang="ja-JP" dirty="0"/>
+              <a:t> Nam</a:t>
+            </a:r>
+          </a:p>
+          <a:p>
+            <a:pPr marL="914400" lvl="1" indent="-457200">
+              <a:buAutoNum type="arabicPeriod"/>
+            </a:pPr>
+            <a:r>
+              <a:rPr lang="en-US" altLang="ja-JP" dirty="0" err="1"/>
+              <a:t>Tuổi</a:t>
+            </a:r>
+            <a:r>
+              <a:rPr lang="en-US" altLang="ja-JP" dirty="0"/>
+              <a:t>: 21</a:t>
+            </a:r>
+          </a:p>
+          <a:p>
+            <a:pPr marL="914400" lvl="1" indent="-457200">
+              <a:buAutoNum type="arabicPeriod"/>
+            </a:pPr>
+            <a:r>
+              <a:rPr lang="en-US" altLang="ja-JP" dirty="0" err="1"/>
+              <a:t>Kinh</a:t>
+            </a:r>
+            <a:r>
+              <a:rPr lang="en-US" altLang="ja-JP" dirty="0"/>
+              <a:t> </a:t>
+            </a:r>
+            <a:r>
+              <a:rPr lang="en-US" altLang="ja-JP" dirty="0" err="1"/>
+              <a:t>nghiệm</a:t>
+            </a:r>
+            <a:r>
+              <a:rPr lang="en-US" altLang="ja-JP" dirty="0"/>
+              <a:t>, </a:t>
+            </a:r>
+            <a:r>
+              <a:rPr lang="en-US" altLang="ja-JP" dirty="0" err="1"/>
+              <a:t>kỹ</a:t>
+            </a:r>
+            <a:r>
+              <a:rPr lang="en-US" altLang="ja-JP" dirty="0"/>
+              <a:t> </a:t>
+            </a:r>
+            <a:r>
+              <a:rPr lang="en-US" altLang="ja-JP" dirty="0" err="1"/>
+              <a:t>năng</a:t>
+            </a:r>
+            <a:r>
+              <a:rPr lang="en-US" altLang="ja-JP" dirty="0"/>
+              <a:t> </a:t>
+            </a:r>
+            <a:r>
+              <a:rPr lang="en-US" altLang="ja-JP" dirty="0" err="1"/>
+              <a:t>lập</a:t>
+            </a:r>
+            <a:r>
+              <a:rPr lang="en-US" altLang="ja-JP" dirty="0"/>
+              <a:t> </a:t>
+            </a:r>
+            <a:r>
+              <a:rPr lang="en-US" altLang="ja-JP" dirty="0" err="1"/>
+              <a:t>trình</a:t>
+            </a:r>
+            <a:r>
+              <a:rPr lang="en-US" altLang="ja-JP" dirty="0"/>
+              <a:t>: </a:t>
+            </a:r>
+            <a:r>
+              <a:rPr lang="en-US" altLang="ja-JP" dirty="0" err="1"/>
+              <a:t>năm</a:t>
+            </a:r>
+            <a:r>
+              <a:rPr lang="en-US" altLang="ja-JP" dirty="0"/>
+              <a:t> 2 (</a:t>
+            </a:r>
+            <a:r>
+              <a:rPr lang="en-US" altLang="ja-JP" dirty="0" err="1"/>
+              <a:t>hệ</a:t>
+            </a:r>
+            <a:r>
+              <a:rPr lang="en-US" altLang="ja-JP" dirty="0"/>
+              <a:t> </a:t>
+            </a:r>
+            <a:r>
+              <a:rPr lang="en-US" altLang="ja-JP" dirty="0" err="1"/>
+              <a:t>thống</a:t>
+            </a:r>
+            <a:r>
+              <a:rPr lang="en-US" altLang="ja-JP" dirty="0"/>
+              <a:t> </a:t>
+            </a:r>
+            <a:r>
+              <a:rPr lang="en-US" altLang="ja-JP" dirty="0" err="1"/>
+              <a:t>Nhúng</a:t>
+            </a:r>
+            <a:r>
+              <a:rPr lang="en-US" altLang="ja-JP" dirty="0"/>
+              <a:t>)</a:t>
+            </a:r>
+          </a:p>
+          <a:p>
+            <a:pPr marL="1371600" lvl="2" indent="-457200">
+              <a:buAutoNum type="arabicPeriod"/>
+            </a:pPr>
+            <a:r>
+              <a:rPr lang="en-US" altLang="ja-JP" dirty="0" err="1"/>
+              <a:t>Khóa</a:t>
+            </a:r>
+            <a:r>
+              <a:rPr lang="en-US" altLang="ja-JP" dirty="0"/>
+              <a:t> python ( 3 ~ 4 </a:t>
+            </a:r>
+            <a:r>
+              <a:rPr lang="en-US" altLang="ja-JP" dirty="0" err="1"/>
+              <a:t>tháng</a:t>
+            </a:r>
+            <a:r>
+              <a:rPr lang="en-US" altLang="ja-JP" dirty="0"/>
+              <a:t>)</a:t>
+            </a:r>
+          </a:p>
+          <a:p>
+            <a:pPr marL="1371600" lvl="2" indent="-457200">
+              <a:buAutoNum type="arabicPeriod"/>
+            </a:pPr>
+            <a:r>
+              <a:rPr lang="en-US" altLang="ja-JP" dirty="0"/>
+              <a:t>1 </a:t>
+            </a:r>
+            <a:r>
+              <a:rPr lang="en-US" altLang="ja-JP" dirty="0" err="1"/>
+              <a:t>số</a:t>
+            </a:r>
+            <a:r>
+              <a:rPr lang="en-US" altLang="ja-JP" dirty="0"/>
+              <a:t> </a:t>
+            </a:r>
+            <a:r>
+              <a:rPr lang="en-US" altLang="ja-JP" dirty="0" err="1"/>
+              <a:t>khóa</a:t>
+            </a:r>
+            <a:r>
+              <a:rPr lang="en-US" altLang="ja-JP" dirty="0"/>
+              <a:t> front end</a:t>
+            </a:r>
+          </a:p>
+          <a:p>
+            <a:pPr marL="1371600" lvl="2" indent="-457200">
+              <a:buAutoNum type="arabicPeriod"/>
+            </a:pPr>
+            <a:r>
+              <a:rPr lang="en-US" altLang="ja-JP" dirty="0" err="1"/>
+              <a:t>Học</a:t>
+            </a:r>
+            <a:r>
+              <a:rPr lang="en-US" altLang="ja-JP" dirty="0"/>
+              <a:t> </a:t>
+            </a:r>
+            <a:r>
+              <a:rPr lang="en-US" altLang="ja-JP" dirty="0" err="1"/>
+              <a:t>viện</a:t>
+            </a:r>
+            <a:r>
+              <a:rPr lang="en-US" altLang="ja-JP" dirty="0"/>
+              <a:t> </a:t>
+            </a:r>
+            <a:r>
+              <a:rPr lang="en-US" altLang="ja-JP" dirty="0" err="1"/>
+              <a:t>kỹ</a:t>
+            </a:r>
+            <a:r>
+              <a:rPr lang="en-US" altLang="ja-JP" dirty="0"/>
+              <a:t> </a:t>
+            </a:r>
+            <a:r>
+              <a:rPr lang="en-US" altLang="ja-JP" dirty="0" err="1"/>
+              <a:t>thuật</a:t>
+            </a:r>
+            <a:r>
+              <a:rPr lang="en-US" altLang="ja-JP" dirty="0"/>
+              <a:t> </a:t>
+            </a:r>
+            <a:r>
+              <a:rPr lang="en-US" altLang="ja-JP" dirty="0" err="1"/>
+              <a:t>mật</a:t>
+            </a:r>
+            <a:r>
+              <a:rPr lang="en-US" altLang="ja-JP" dirty="0"/>
+              <a:t> </a:t>
+            </a:r>
+            <a:r>
+              <a:rPr lang="en-US" altLang="ja-JP" dirty="0" err="1"/>
+              <a:t>mã</a:t>
+            </a:r>
+            <a:r>
+              <a:rPr lang="en-US" altLang="ja-JP" dirty="0"/>
+              <a:t> </a:t>
+            </a:r>
+          </a:p>
+          <a:p>
+            <a:pPr marL="914400" lvl="1" indent="-457200">
+              <a:buAutoNum type="arabicPeriod"/>
+            </a:pPr>
+            <a:r>
+              <a:rPr lang="en-US" altLang="ja-JP" dirty="0" err="1"/>
+              <a:t>Quỹ</a:t>
+            </a:r>
+            <a:r>
+              <a:rPr lang="en-US" altLang="ja-JP" dirty="0"/>
+              <a:t> </a:t>
+            </a:r>
+            <a:r>
+              <a:rPr lang="en-US" altLang="ja-JP" dirty="0" err="1"/>
+              <a:t>thời</a:t>
+            </a:r>
+            <a:r>
+              <a:rPr lang="en-US" altLang="ja-JP" dirty="0"/>
+              <a:t> </a:t>
+            </a:r>
+            <a:r>
+              <a:rPr lang="en-US" altLang="ja-JP" dirty="0" err="1"/>
+              <a:t>gian</a:t>
+            </a:r>
+            <a:r>
+              <a:rPr lang="ja-JP" altLang="en-US" dirty="0"/>
+              <a:t>：</a:t>
+            </a:r>
+            <a:endParaRPr lang="en-US" altLang="ja-JP" dirty="0"/>
+          </a:p>
+          <a:p>
+            <a:pPr marL="1371600" lvl="2" indent="-457200">
+              <a:buAutoNum type="arabicPeriod"/>
+            </a:pPr>
+            <a:r>
+              <a:rPr lang="en-US" altLang="ja-JP" dirty="0"/>
+              <a:t>1 </a:t>
+            </a:r>
+            <a:r>
+              <a:rPr lang="en-US" altLang="ja-JP" dirty="0" err="1"/>
+              <a:t>tuần</a:t>
+            </a:r>
+            <a:r>
+              <a:rPr lang="en-US" altLang="ja-JP" dirty="0"/>
+              <a:t> </a:t>
+            </a:r>
+            <a:r>
+              <a:rPr lang="en-US" altLang="ja-JP" dirty="0" err="1"/>
+              <a:t>khoảng</a:t>
+            </a:r>
+            <a:r>
+              <a:rPr lang="en-US" altLang="ja-JP" dirty="0"/>
+              <a:t> </a:t>
+            </a:r>
+            <a:r>
+              <a:rPr lang="en-US" altLang="ja-JP" dirty="0" err="1"/>
+              <a:t>trên</a:t>
+            </a:r>
+            <a:r>
+              <a:rPr lang="en-US" altLang="ja-JP" dirty="0"/>
+              <a:t> 10 </a:t>
+            </a:r>
+            <a:r>
+              <a:rPr lang="en-US" altLang="ja-JP" dirty="0" err="1"/>
+              <a:t>tiếng</a:t>
+            </a:r>
+            <a:endParaRPr lang="en-US" altLang="ja-JP" dirty="0"/>
+          </a:p>
+          <a:p>
+            <a:pPr marL="914400" lvl="1" indent="-457200">
+              <a:buAutoNum type="arabicPeriod"/>
+            </a:pPr>
+            <a:r>
+              <a:rPr lang="en-US" altLang="ja-JP" dirty="0" err="1"/>
+              <a:t>Mong</a:t>
+            </a:r>
+            <a:r>
+              <a:rPr lang="en-US" altLang="ja-JP" dirty="0"/>
+              <a:t> </a:t>
+            </a:r>
+            <a:r>
+              <a:rPr lang="en-US" altLang="ja-JP" dirty="0" err="1"/>
+              <a:t>muốn</a:t>
+            </a:r>
+            <a:r>
+              <a:rPr lang="en-US" altLang="ja-JP" dirty="0"/>
+              <a:t> </a:t>
+            </a:r>
+            <a:r>
+              <a:rPr lang="en-US" altLang="ja-JP" dirty="0" err="1"/>
+              <a:t>về</a:t>
+            </a:r>
+            <a:r>
+              <a:rPr lang="en-US" altLang="ja-JP" dirty="0"/>
+              <a:t> </a:t>
+            </a:r>
+            <a:r>
+              <a:rPr lang="en-US" altLang="ja-JP" dirty="0" err="1"/>
+              <a:t>thù</a:t>
+            </a:r>
+            <a:r>
+              <a:rPr lang="en-US" altLang="ja-JP" dirty="0"/>
+              <a:t> lao internship</a:t>
+            </a:r>
+          </a:p>
+          <a:p>
+            <a:pPr marL="1371600" lvl="2" indent="-457200">
+              <a:buAutoNum type="arabicPeriod"/>
+            </a:pPr>
+            <a:r>
+              <a:rPr lang="en-US" altLang="ja-JP" dirty="0" err="1"/>
+              <a:t>Mong</a:t>
+            </a:r>
+            <a:r>
+              <a:rPr lang="en-US" altLang="ja-JP" dirty="0"/>
+              <a:t> </a:t>
+            </a:r>
+            <a:r>
+              <a:rPr lang="en-US" altLang="ja-JP" dirty="0" err="1"/>
+              <a:t>muốn</a:t>
+            </a:r>
+            <a:r>
+              <a:rPr lang="en-US" altLang="ja-JP" dirty="0"/>
+              <a:t> </a:t>
+            </a:r>
+            <a:r>
+              <a:rPr lang="en-US" altLang="ja-JP" dirty="0" err="1"/>
+              <a:t>lấy</a:t>
+            </a:r>
+            <a:r>
+              <a:rPr lang="en-US" altLang="ja-JP" dirty="0"/>
+              <a:t> </a:t>
+            </a:r>
+            <a:r>
+              <a:rPr lang="en-US" altLang="ja-JP" dirty="0" err="1"/>
+              <a:t>thêm</a:t>
+            </a:r>
+            <a:r>
+              <a:rPr lang="en-US" altLang="ja-JP" dirty="0"/>
+              <a:t> </a:t>
+            </a:r>
+            <a:r>
+              <a:rPr lang="en-US" altLang="ja-JP" dirty="0" err="1"/>
+              <a:t>kinh</a:t>
+            </a:r>
+            <a:r>
+              <a:rPr lang="en-US" altLang="ja-JP" dirty="0"/>
+              <a:t> </a:t>
+            </a:r>
+            <a:r>
+              <a:rPr lang="en-US" altLang="ja-JP" dirty="0" err="1"/>
+              <a:t>nghiệm</a:t>
+            </a:r>
+            <a:endParaRPr lang="en-US" altLang="ja-JP" dirty="0"/>
+          </a:p>
+          <a:p>
+            <a:pPr marL="914400" lvl="1" indent="-457200">
+              <a:buAutoNum type="arabicPeriod"/>
+            </a:pPr>
+            <a:endParaRPr lang="en-US" altLang="ja-JP" dirty="0"/>
+          </a:p>
+        </p:txBody>
+      </p:sp>
+    </p:spTree>
+    <p:extLst>
+      <p:ext uri="{BB962C8B-B14F-4D97-AF65-F5344CB8AC3E}">
+        <p14:creationId xmlns:p14="http://schemas.microsoft.com/office/powerpoint/2010/main" val="3374191059"/>
+      </p:ext>
+    </p:extLst>
+  </p:cSld>
+  <p:clrMapOvr>
+    <a:masterClrMapping/>
+  </p:clrMapOvr>
+</p:sld>
+</file>
+
+<file path=ppt/slides/slide5.xml><?xml version="1.0" encoding="utf-8"?>
+<p:sld xmlns:a="http://schemas.openxmlformats.org/drawingml/2006/main" xmlns:r="http://schemas.openxmlformats.org/officeDocument/2006/relationships" xmlns:p="http://schemas.openxmlformats.org/presentationml/2006/main">
+  <p:cSld>
+    <p:spTree>
+      <p:nvGrpSpPr>
+        <p:cNvPr id="1" name=""/>
+        <p:cNvGrpSpPr/>
+        <p:nvPr/>
+      </p:nvGrpSpPr>
+      <p:grpSpPr>
+        <a:xfrm>
+          <a:off x="0" y="0"/>
+          <a:ext cx="0" cy="0"/>
+          <a:chOff x="0" y="0"/>
+          <a:chExt cx="0" cy="0"/>
+        </a:xfrm>
+      </p:grpSpPr>
+      <p:sp>
+        <p:nvSpPr>
+          <p:cNvPr id="2" name="タイトル 1">
+            <a:extLst>
+              <a:ext uri="{FF2B5EF4-FFF2-40B4-BE49-F238E27FC236}">
+                <a16:creationId xmlns:a16="http://schemas.microsoft.com/office/drawing/2014/main" id="{892320CC-ACF8-469C-B94E-9FF91802192B}"/>
+              </a:ext>
+            </a:extLst>
+          </p:cNvPr>
+          <p:cNvSpPr>
+            <a:spLocks noGrp="1"/>
+          </p:cNvSpPr>
+          <p:nvPr>
+            <p:ph type="title"/>
+          </p:nvPr>
+        </p:nvSpPr>
+        <p:spPr/>
+        <p:txBody>
+          <a:bodyPr/>
+          <a:lstStyle/>
+          <a:p>
+            <a:r>
+              <a:rPr kumimoji="1" lang="en-US" altLang="ja-JP" dirty="0" err="1"/>
+              <a:t>Giới</a:t>
+            </a:r>
+            <a:r>
+              <a:rPr kumimoji="1" lang="en-US" altLang="ja-JP" dirty="0"/>
+              <a:t> </a:t>
+            </a:r>
+            <a:r>
+              <a:rPr kumimoji="1" lang="en-US" altLang="ja-JP" dirty="0" err="1"/>
+              <a:t>thiệu</a:t>
+            </a:r>
+            <a:r>
+              <a:rPr kumimoji="1" lang="en-US" altLang="ja-JP" dirty="0"/>
+              <a:t> </a:t>
+            </a:r>
+            <a:r>
+              <a:rPr kumimoji="1" lang="en-US" altLang="ja-JP" dirty="0" err="1"/>
+              <a:t>Khánh</a:t>
+            </a:r>
+            <a:r>
+              <a:rPr kumimoji="1" lang="en-US" altLang="ja-JP" dirty="0"/>
+              <a:t> </a:t>
+            </a:r>
+            <a:r>
+              <a:rPr kumimoji="1" lang="en-US" altLang="ja-JP" dirty="0" err="1"/>
+              <a:t>Nhật</a:t>
+            </a:r>
+            <a:r>
+              <a:rPr kumimoji="1" lang="en-US" altLang="ja-JP" dirty="0"/>
+              <a:t> Nam</a:t>
+            </a:r>
+            <a:endParaRPr kumimoji="1" lang="ja-JP" altLang="en-US" dirty="0"/>
+          </a:p>
+        </p:txBody>
+      </p:sp>
+      <p:sp>
+        <p:nvSpPr>
+          <p:cNvPr id="3" name="コンテンツ プレースホルダー 2">
+            <a:extLst>
+              <a:ext uri="{FF2B5EF4-FFF2-40B4-BE49-F238E27FC236}">
+                <a16:creationId xmlns:a16="http://schemas.microsoft.com/office/drawing/2014/main" id="{D900A0D7-DBCE-436E-B45C-04CF7D04D335}"/>
+              </a:ext>
+            </a:extLst>
+          </p:cNvPr>
+          <p:cNvSpPr>
+            <a:spLocks noGrp="1"/>
+          </p:cNvSpPr>
+          <p:nvPr>
+            <p:ph idx="1"/>
+          </p:nvPr>
+        </p:nvSpPr>
+        <p:spPr/>
+        <p:txBody>
+          <a:bodyPr>
+            <a:normAutofit/>
+          </a:bodyPr>
+          <a:lstStyle/>
+          <a:p>
+            <a:pPr marL="914400" lvl="1" indent="-457200">
+              <a:buAutoNum type="arabicPeriod"/>
+            </a:pPr>
+            <a:r>
+              <a:rPr lang="en-US" altLang="ja-JP" dirty="0" err="1"/>
+              <a:t>Tên</a:t>
+            </a:r>
+            <a:r>
+              <a:rPr lang="en-US" altLang="ja-JP" dirty="0"/>
+              <a:t>: </a:t>
+            </a:r>
+            <a:r>
+              <a:rPr lang="en-US" altLang="ja-JP" dirty="0" err="1"/>
+              <a:t>Nhật</a:t>
+            </a:r>
+            <a:r>
+              <a:rPr lang="en-US" altLang="ja-JP" dirty="0"/>
+              <a:t> Nam</a:t>
+            </a:r>
+          </a:p>
+          <a:p>
+            <a:pPr marL="914400" lvl="1" indent="-457200">
+              <a:buAutoNum type="arabicPeriod"/>
+            </a:pPr>
+            <a:r>
+              <a:rPr lang="en-US" altLang="ja-JP" dirty="0" err="1"/>
+              <a:t>Tuổi</a:t>
+            </a:r>
+            <a:r>
+              <a:rPr lang="en-US" altLang="ja-JP" dirty="0"/>
+              <a:t>: 25</a:t>
+            </a:r>
+          </a:p>
+          <a:p>
+            <a:pPr marL="914400" lvl="1" indent="-457200">
+              <a:buAutoNum type="arabicPeriod"/>
+            </a:pPr>
+            <a:r>
+              <a:rPr lang="en-US" altLang="ja-JP" dirty="0" err="1"/>
+              <a:t>Kinh</a:t>
+            </a:r>
+            <a:r>
+              <a:rPr lang="en-US" altLang="ja-JP" dirty="0"/>
+              <a:t> </a:t>
+            </a:r>
+            <a:r>
+              <a:rPr lang="en-US" altLang="ja-JP" dirty="0" err="1"/>
+              <a:t>nghiệm</a:t>
+            </a:r>
+            <a:r>
+              <a:rPr lang="en-US" altLang="ja-JP" dirty="0"/>
+              <a:t>, </a:t>
+            </a:r>
+            <a:r>
+              <a:rPr lang="en-US" altLang="ja-JP" dirty="0" err="1"/>
+              <a:t>kỹ</a:t>
+            </a:r>
+            <a:r>
+              <a:rPr lang="en-US" altLang="ja-JP" dirty="0"/>
+              <a:t> </a:t>
+            </a:r>
+            <a:r>
+              <a:rPr lang="en-US" altLang="ja-JP" dirty="0" err="1"/>
+              <a:t>năng</a:t>
+            </a:r>
+            <a:r>
+              <a:rPr lang="en-US" altLang="ja-JP" dirty="0"/>
+              <a:t> </a:t>
+            </a:r>
+            <a:r>
+              <a:rPr lang="en-US" altLang="ja-JP" dirty="0" err="1"/>
+              <a:t>lập</a:t>
+            </a:r>
+            <a:r>
+              <a:rPr lang="en-US" altLang="ja-JP" dirty="0"/>
+              <a:t> </a:t>
+            </a:r>
+            <a:r>
+              <a:rPr lang="en-US" altLang="ja-JP" dirty="0" err="1"/>
+              <a:t>trình</a:t>
+            </a:r>
+            <a:r>
+              <a:rPr lang="en-US" altLang="ja-JP" dirty="0"/>
+              <a:t>: </a:t>
+            </a:r>
+          </a:p>
+          <a:p>
+            <a:pPr marL="1371600" lvl="2" indent="-457200">
+              <a:buAutoNum type="arabicPeriod"/>
+            </a:pPr>
+            <a:r>
+              <a:rPr lang="en-US" altLang="ja-JP" dirty="0" err="1"/>
+              <a:t>Có</a:t>
+            </a:r>
+            <a:r>
+              <a:rPr lang="en-US" altLang="ja-JP" dirty="0"/>
+              <a:t> 1 </a:t>
+            </a:r>
+            <a:r>
+              <a:rPr lang="en-US" altLang="ja-JP" dirty="0" err="1"/>
+              <a:t>năm</a:t>
+            </a:r>
+            <a:r>
+              <a:rPr lang="en-US" altLang="ja-JP" dirty="0"/>
+              <a:t> </a:t>
+            </a:r>
+            <a:r>
+              <a:rPr lang="en-US" altLang="ja-JP" dirty="0" err="1"/>
+              <a:t>kinh</a:t>
+            </a:r>
+            <a:r>
+              <a:rPr lang="en-US" altLang="ja-JP" dirty="0"/>
+              <a:t> </a:t>
+            </a:r>
+            <a:r>
+              <a:rPr lang="en-US" altLang="ja-JP" dirty="0" err="1"/>
+              <a:t>nghiệm</a:t>
+            </a:r>
+            <a:r>
+              <a:rPr lang="en-US" altLang="ja-JP" dirty="0"/>
+              <a:t> </a:t>
+            </a:r>
+            <a:r>
+              <a:rPr lang="en-US" altLang="ja-JP" dirty="0" err="1"/>
+              <a:t>làm</a:t>
+            </a:r>
+            <a:r>
+              <a:rPr lang="en-US" altLang="ja-JP" dirty="0"/>
+              <a:t> </a:t>
+            </a:r>
+            <a:r>
+              <a:rPr lang="en-US" altLang="ja-JP" dirty="0" err="1"/>
+              <a:t>về</a:t>
+            </a:r>
+            <a:r>
+              <a:rPr lang="en-US" altLang="ja-JP" dirty="0"/>
+              <a:t> C</a:t>
+            </a:r>
+          </a:p>
+          <a:p>
+            <a:pPr marL="1371600" lvl="2" indent="-457200">
+              <a:buAutoNum type="arabicPeriod"/>
+            </a:pPr>
+            <a:r>
+              <a:rPr lang="en-US" altLang="ja-JP" dirty="0" err="1"/>
+              <a:t>Có</a:t>
+            </a:r>
+            <a:r>
+              <a:rPr lang="en-US" altLang="ja-JP" dirty="0"/>
+              <a:t> </a:t>
+            </a:r>
+            <a:r>
+              <a:rPr lang="en-US" altLang="ja-JP" dirty="0" err="1"/>
+              <a:t>biết</a:t>
+            </a:r>
+            <a:r>
+              <a:rPr lang="en-US" altLang="ja-JP" dirty="0"/>
+              <a:t> </a:t>
+            </a:r>
+            <a:r>
+              <a:rPr lang="en-US" altLang="ja-JP" dirty="0" err="1"/>
+              <a:t>về</a:t>
+            </a:r>
+            <a:r>
+              <a:rPr lang="en-US" altLang="ja-JP" dirty="0"/>
+              <a:t> python, database </a:t>
+            </a:r>
+            <a:r>
+              <a:rPr lang="en-US" altLang="ja-JP" dirty="0" err="1"/>
+              <a:t>và</a:t>
+            </a:r>
+            <a:r>
+              <a:rPr lang="en-US" altLang="ja-JP" dirty="0"/>
+              <a:t> </a:t>
+            </a:r>
+            <a:r>
+              <a:rPr lang="en-US" altLang="ja-JP" dirty="0" err="1"/>
+              <a:t>dijango</a:t>
+            </a:r>
+            <a:endParaRPr lang="en-US" altLang="ja-JP" dirty="0"/>
+          </a:p>
+          <a:p>
+            <a:pPr marL="1371600" lvl="2" indent="-457200">
+              <a:buAutoNum type="arabicPeriod"/>
+            </a:pPr>
+            <a:r>
+              <a:rPr lang="en-US" altLang="ja-JP" dirty="0"/>
+              <a:t>Ở </a:t>
+            </a:r>
+            <a:r>
+              <a:rPr lang="en-US" altLang="ja-JP" dirty="0" err="1"/>
+              <a:t>tp</a:t>
+            </a:r>
+            <a:r>
+              <a:rPr lang="en-US" altLang="ja-JP" dirty="0"/>
+              <a:t> HCM</a:t>
+            </a:r>
+          </a:p>
+          <a:p>
+            <a:pPr marL="914400" lvl="1" indent="-457200">
+              <a:buAutoNum type="arabicPeriod"/>
+            </a:pPr>
+            <a:r>
+              <a:rPr lang="en-US" altLang="ja-JP" dirty="0" err="1"/>
+              <a:t>Quỹ</a:t>
+            </a:r>
+            <a:r>
+              <a:rPr lang="en-US" altLang="ja-JP" dirty="0"/>
+              <a:t> </a:t>
+            </a:r>
+            <a:r>
+              <a:rPr lang="en-US" altLang="ja-JP" dirty="0" err="1"/>
+              <a:t>thời</a:t>
+            </a:r>
+            <a:r>
+              <a:rPr lang="en-US" altLang="ja-JP" dirty="0"/>
+              <a:t> </a:t>
+            </a:r>
+            <a:r>
+              <a:rPr lang="en-US" altLang="ja-JP" dirty="0" err="1"/>
+              <a:t>gian</a:t>
+            </a:r>
+            <a:endParaRPr lang="en-US" altLang="ja-JP" dirty="0"/>
+          </a:p>
+          <a:p>
+            <a:pPr marL="1371600" lvl="2" indent="-457200">
+              <a:buAutoNum type="arabicPeriod"/>
+            </a:pPr>
+            <a:r>
+              <a:rPr lang="en-US" altLang="ja-JP" dirty="0"/>
+              <a:t>1 </a:t>
+            </a:r>
+            <a:r>
+              <a:rPr lang="en-US" altLang="ja-JP" dirty="0" err="1"/>
+              <a:t>tuần</a:t>
+            </a:r>
+            <a:r>
+              <a:rPr lang="en-US" altLang="ja-JP" dirty="0"/>
+              <a:t> </a:t>
+            </a:r>
+            <a:r>
+              <a:rPr lang="en-US" altLang="ja-JP" dirty="0" err="1"/>
+              <a:t>khoảng</a:t>
+            </a:r>
+            <a:r>
+              <a:rPr lang="en-US" altLang="ja-JP" dirty="0"/>
+              <a:t> </a:t>
+            </a:r>
+            <a:r>
+              <a:rPr lang="en-US" altLang="ja-JP" dirty="0" err="1"/>
+              <a:t>trên</a:t>
+            </a:r>
+            <a:r>
+              <a:rPr lang="en-US" altLang="ja-JP" dirty="0"/>
+              <a:t> 10 </a:t>
+            </a:r>
+            <a:r>
+              <a:rPr lang="en-US" altLang="ja-JP" dirty="0" err="1"/>
+              <a:t>tiếng</a:t>
+            </a:r>
+            <a:r>
+              <a:rPr lang="en-US" altLang="ja-JP" dirty="0"/>
+              <a:t> </a:t>
+            </a:r>
+          </a:p>
+          <a:p>
+            <a:pPr marL="1371600" lvl="2" indent="-457200">
+              <a:buAutoNum type="arabicPeriod"/>
+            </a:pPr>
+            <a:r>
+              <a:rPr lang="en-US" altLang="ja-JP" dirty="0" err="1"/>
+              <a:t>Tầm</a:t>
+            </a:r>
+            <a:r>
+              <a:rPr lang="en-US" altLang="ja-JP" dirty="0"/>
+              <a:t> 6h</a:t>
+            </a:r>
+          </a:p>
+          <a:p>
+            <a:pPr marL="914400" lvl="1" indent="-457200">
+              <a:buAutoNum type="arabicPeriod"/>
+            </a:pPr>
+            <a:r>
+              <a:rPr lang="en-US" altLang="ja-JP" dirty="0" err="1"/>
+              <a:t>Mong</a:t>
+            </a:r>
+            <a:r>
+              <a:rPr lang="en-US" altLang="ja-JP" dirty="0"/>
+              <a:t> </a:t>
+            </a:r>
+            <a:r>
+              <a:rPr lang="en-US" altLang="ja-JP" dirty="0" err="1"/>
+              <a:t>muốn</a:t>
+            </a:r>
+            <a:r>
+              <a:rPr lang="en-US" altLang="ja-JP" dirty="0"/>
+              <a:t> </a:t>
+            </a:r>
+            <a:r>
+              <a:rPr lang="en-US" altLang="ja-JP" dirty="0" err="1"/>
+              <a:t>về</a:t>
+            </a:r>
+            <a:r>
+              <a:rPr lang="en-US" altLang="ja-JP" dirty="0"/>
+              <a:t> </a:t>
+            </a:r>
+            <a:r>
+              <a:rPr lang="en-US" altLang="ja-JP" dirty="0" err="1"/>
+              <a:t>thù</a:t>
+            </a:r>
+            <a:r>
+              <a:rPr lang="en-US" altLang="ja-JP" dirty="0"/>
+              <a:t> lao internship</a:t>
+            </a:r>
+          </a:p>
+          <a:p>
+            <a:pPr marL="1371600" lvl="2" indent="-457200">
+              <a:buAutoNum type="arabicPeriod"/>
+            </a:pPr>
+            <a:r>
+              <a:rPr lang="en-US" altLang="ja-JP" dirty="0" err="1"/>
+              <a:t>Mong</a:t>
+            </a:r>
+            <a:r>
+              <a:rPr lang="en-US" altLang="ja-JP" dirty="0"/>
+              <a:t> </a:t>
+            </a:r>
+            <a:r>
+              <a:rPr lang="en-US" altLang="ja-JP" dirty="0" err="1"/>
+              <a:t>muốn</a:t>
+            </a:r>
+            <a:r>
+              <a:rPr lang="en-US" altLang="ja-JP" dirty="0"/>
+              <a:t> </a:t>
+            </a:r>
+            <a:r>
+              <a:rPr lang="en-US" altLang="ja-JP" dirty="0" err="1"/>
+              <a:t>lấy</a:t>
+            </a:r>
+            <a:r>
+              <a:rPr lang="en-US" altLang="ja-JP" dirty="0"/>
+              <a:t> </a:t>
+            </a:r>
+            <a:r>
+              <a:rPr lang="en-US" altLang="ja-JP" dirty="0" err="1"/>
+              <a:t>thêm</a:t>
+            </a:r>
+            <a:r>
+              <a:rPr lang="en-US" altLang="ja-JP" dirty="0"/>
+              <a:t> </a:t>
+            </a:r>
+            <a:r>
+              <a:rPr lang="en-US" altLang="ja-JP" dirty="0" err="1"/>
+              <a:t>kinh</a:t>
+            </a:r>
+            <a:r>
+              <a:rPr lang="en-US" altLang="ja-JP" dirty="0"/>
+              <a:t> </a:t>
+            </a:r>
+            <a:r>
+              <a:rPr lang="en-US" altLang="ja-JP" dirty="0" err="1"/>
+              <a:t>nghiệm</a:t>
+            </a:r>
+            <a:r>
+              <a:rPr lang="en-US" altLang="ja-JP" dirty="0"/>
+              <a:t> (</a:t>
+            </a:r>
+            <a:r>
+              <a:rPr lang="en-US" altLang="ja-JP" dirty="0" err="1"/>
+              <a:t>theo</a:t>
+            </a:r>
+            <a:r>
+              <a:rPr lang="en-US" altLang="ja-JP" dirty="0"/>
+              <a:t> </a:t>
+            </a:r>
+            <a:r>
+              <a:rPr lang="en-US" altLang="ja-JP" dirty="0" err="1"/>
+              <a:t>năng</a:t>
+            </a:r>
+            <a:r>
+              <a:rPr lang="en-US" altLang="ja-JP" dirty="0"/>
+              <a:t> </a:t>
+            </a:r>
+            <a:r>
+              <a:rPr lang="en-US" altLang="ja-JP" dirty="0" err="1"/>
+              <a:t>lực</a:t>
+            </a:r>
+            <a:r>
+              <a:rPr lang="en-US" altLang="ja-JP" dirty="0"/>
+              <a:t>)</a:t>
+            </a:r>
+          </a:p>
+        </p:txBody>
+      </p:sp>
+    </p:spTree>
+    <p:extLst>
+      <p:ext uri="{BB962C8B-B14F-4D97-AF65-F5344CB8AC3E}">
+        <p14:creationId xmlns:p14="http://schemas.microsoft.com/office/powerpoint/2010/main" val="64123987"/>
+      </p:ext>
+    </p:extLst>
+  </p:cSld>
+  <p:clrMapOvr>
+    <a:masterClrMapping/>
+  </p:clrMapOvr>
+</p:sld>
+</file>
+
+<file path=ppt/slides/slide6.xml><?xml version="1.0" encoding="utf-8"?>
+<p:sld xmlns:a="http://schemas.openxmlformats.org/drawingml/2006/main" xmlns:r="http://schemas.openxmlformats.org/officeDocument/2006/relationships" xmlns:p="http://schemas.openxmlformats.org/presentationml/2006/main">
+  <p:cSld>
+    <p:spTree>
+      <p:nvGrpSpPr>
+        <p:cNvPr id="1" name=""/>
+        <p:cNvGrpSpPr/>
+        <p:nvPr/>
+      </p:nvGrpSpPr>
+      <p:grpSpPr>
+        <a:xfrm>
+          <a:off x="0" y="0"/>
+          <a:ext cx="0" cy="0"/>
+          <a:chOff x="0" y="0"/>
+          <a:chExt cx="0" cy="0"/>
+        </a:xfrm>
+      </p:grpSpPr>
+      <p:sp>
+        <p:nvSpPr>
+          <p:cNvPr id="2" name="タイトル 1">
+            <a:extLst>
+              <a:ext uri="{FF2B5EF4-FFF2-40B4-BE49-F238E27FC236}">
+                <a16:creationId xmlns:a16="http://schemas.microsoft.com/office/drawing/2014/main" id="{892320CC-ACF8-469C-B94E-9FF91802192B}"/>
+              </a:ext>
+            </a:extLst>
+          </p:cNvPr>
+          <p:cNvSpPr>
+            <a:spLocks noGrp="1"/>
+          </p:cNvSpPr>
+          <p:nvPr>
+            <p:ph type="title"/>
+          </p:nvPr>
+        </p:nvSpPr>
+        <p:spPr/>
+        <p:txBody>
+          <a:bodyPr/>
+          <a:lstStyle/>
+          <a:p>
+            <a:r>
+              <a:rPr kumimoji="1" lang="en-US" altLang="ja-JP" dirty="0" err="1"/>
+              <a:t>Giới</a:t>
+            </a:r>
+            <a:r>
+              <a:rPr kumimoji="1" lang="en-US" altLang="ja-JP" dirty="0"/>
+              <a:t> </a:t>
+            </a:r>
+            <a:r>
+              <a:rPr kumimoji="1" lang="en-US" altLang="ja-JP" dirty="0" err="1"/>
+              <a:t>thiệu</a:t>
+            </a:r>
+            <a:r>
+              <a:rPr kumimoji="1" lang="en-US" altLang="ja-JP" dirty="0"/>
+              <a:t> </a:t>
+            </a:r>
+            <a:r>
+              <a:rPr kumimoji="1" lang="en-US" altLang="ja-JP" dirty="0" err="1"/>
+              <a:t>Quốc</a:t>
+            </a:r>
+            <a:r>
+              <a:rPr kumimoji="1" lang="en-US" altLang="ja-JP" dirty="0"/>
+              <a:t> </a:t>
+            </a:r>
+            <a:r>
+              <a:rPr kumimoji="1" lang="en-US" altLang="ja-JP" dirty="0" err="1"/>
+              <a:t>Hưng</a:t>
+            </a:r>
+            <a:endParaRPr kumimoji="1" lang="ja-JP" altLang="en-US" dirty="0"/>
+          </a:p>
+        </p:txBody>
+      </p:sp>
+      <p:sp>
+        <p:nvSpPr>
+          <p:cNvPr id="3" name="コンテンツ プレースホルダー 2">
+            <a:extLst>
+              <a:ext uri="{FF2B5EF4-FFF2-40B4-BE49-F238E27FC236}">
+                <a16:creationId xmlns:a16="http://schemas.microsoft.com/office/drawing/2014/main" id="{D900A0D7-DBCE-436E-B45C-04CF7D04D335}"/>
+              </a:ext>
+            </a:extLst>
+          </p:cNvPr>
+          <p:cNvSpPr>
+            <a:spLocks noGrp="1"/>
+          </p:cNvSpPr>
+          <p:nvPr>
+            <p:ph idx="1"/>
+          </p:nvPr>
+        </p:nvSpPr>
+        <p:spPr/>
+        <p:txBody>
+          <a:bodyPr>
+            <a:normAutofit/>
+          </a:bodyPr>
+          <a:lstStyle/>
+          <a:p>
+            <a:pPr marL="914400" lvl="1" indent="-457200">
+              <a:buAutoNum type="arabicPeriod"/>
+            </a:pPr>
+            <a:r>
+              <a:rPr lang="en-US" altLang="ja-JP" dirty="0" err="1"/>
+              <a:t>Tên</a:t>
+            </a:r>
+            <a:r>
+              <a:rPr lang="en-US" altLang="ja-JP" dirty="0"/>
+              <a:t>: </a:t>
+            </a:r>
+            <a:r>
+              <a:rPr lang="en-US" altLang="ja-JP" dirty="0" err="1"/>
+              <a:t>Quốc</a:t>
+            </a:r>
+            <a:r>
+              <a:rPr lang="en-US" altLang="ja-JP" dirty="0"/>
+              <a:t> </a:t>
+            </a:r>
+            <a:r>
+              <a:rPr lang="en-US" altLang="ja-JP" dirty="0" err="1"/>
+              <a:t>Hưng</a:t>
+            </a:r>
+            <a:endParaRPr lang="en-US" altLang="ja-JP" dirty="0"/>
+          </a:p>
+          <a:p>
+            <a:pPr marL="914400" lvl="1" indent="-457200">
+              <a:buAutoNum type="arabicPeriod"/>
+            </a:pPr>
+            <a:r>
+              <a:rPr lang="en-US" altLang="ja-JP" dirty="0" err="1"/>
+              <a:t>Tuổi</a:t>
+            </a:r>
+            <a:r>
+              <a:rPr lang="en-US" altLang="ja-JP" dirty="0"/>
+              <a:t>: 25</a:t>
+            </a:r>
+          </a:p>
+          <a:p>
+            <a:pPr marL="914400" lvl="1" indent="-457200">
+              <a:buAutoNum type="arabicPeriod"/>
+            </a:pPr>
+            <a:r>
+              <a:rPr lang="en-US" altLang="ja-JP" dirty="0" err="1"/>
+              <a:t>Kinh</a:t>
+            </a:r>
+            <a:r>
+              <a:rPr lang="en-US" altLang="ja-JP" dirty="0"/>
+              <a:t> </a:t>
+            </a:r>
+            <a:r>
+              <a:rPr lang="en-US" altLang="ja-JP" dirty="0" err="1"/>
+              <a:t>nghiệm</a:t>
+            </a:r>
+            <a:r>
+              <a:rPr lang="en-US" altLang="ja-JP" dirty="0"/>
+              <a:t>, </a:t>
+            </a:r>
+            <a:r>
+              <a:rPr lang="en-US" altLang="ja-JP" dirty="0" err="1"/>
+              <a:t>kỹ</a:t>
+            </a:r>
+            <a:r>
+              <a:rPr lang="en-US" altLang="ja-JP" dirty="0"/>
+              <a:t> </a:t>
+            </a:r>
+            <a:r>
+              <a:rPr lang="en-US" altLang="ja-JP" dirty="0" err="1"/>
+              <a:t>năng</a:t>
+            </a:r>
+            <a:r>
+              <a:rPr lang="en-US" altLang="ja-JP" dirty="0"/>
+              <a:t> </a:t>
+            </a:r>
+            <a:r>
+              <a:rPr lang="en-US" altLang="ja-JP" dirty="0" err="1"/>
+              <a:t>lập</a:t>
+            </a:r>
+            <a:r>
+              <a:rPr lang="en-US" altLang="ja-JP" dirty="0"/>
+              <a:t> </a:t>
+            </a:r>
+            <a:r>
+              <a:rPr lang="en-US" altLang="ja-JP" dirty="0" err="1"/>
+              <a:t>trình</a:t>
+            </a:r>
+            <a:r>
+              <a:rPr lang="en-US" altLang="ja-JP" dirty="0"/>
+              <a:t>: </a:t>
+            </a:r>
+          </a:p>
+          <a:p>
+            <a:pPr marL="914400" lvl="1" indent="-457200">
+              <a:buAutoNum type="arabicPeriod"/>
+            </a:pPr>
+            <a:r>
+              <a:rPr lang="en-US" altLang="ja-JP" dirty="0" err="1"/>
+              <a:t>Quỹ</a:t>
+            </a:r>
+            <a:r>
+              <a:rPr lang="en-US" altLang="ja-JP" dirty="0"/>
+              <a:t> </a:t>
+            </a:r>
+            <a:r>
+              <a:rPr lang="en-US" altLang="ja-JP" dirty="0" err="1"/>
+              <a:t>thời</a:t>
+            </a:r>
+            <a:r>
+              <a:rPr lang="en-US" altLang="ja-JP" dirty="0"/>
+              <a:t> </a:t>
+            </a:r>
+            <a:r>
+              <a:rPr lang="en-US" altLang="ja-JP" dirty="0" err="1"/>
+              <a:t>gian</a:t>
+            </a:r>
+            <a:endParaRPr lang="en-US" altLang="ja-JP" dirty="0"/>
+          </a:p>
+          <a:p>
+            <a:pPr marL="914400" lvl="1" indent="-457200">
+              <a:buAutoNum type="arabicPeriod"/>
+            </a:pPr>
+            <a:r>
+              <a:rPr lang="en-US" altLang="ja-JP" dirty="0" err="1"/>
+              <a:t>Mong</a:t>
+            </a:r>
+            <a:r>
+              <a:rPr lang="en-US" altLang="ja-JP" dirty="0"/>
+              <a:t> </a:t>
+            </a:r>
+            <a:r>
+              <a:rPr lang="en-US" altLang="ja-JP" dirty="0" err="1"/>
+              <a:t>muốn</a:t>
+            </a:r>
+            <a:r>
+              <a:rPr lang="en-US" altLang="ja-JP" dirty="0"/>
+              <a:t> </a:t>
+            </a:r>
+            <a:r>
+              <a:rPr lang="en-US" altLang="ja-JP" dirty="0" err="1"/>
+              <a:t>về</a:t>
+            </a:r>
+            <a:r>
+              <a:rPr lang="en-US" altLang="ja-JP" dirty="0"/>
+              <a:t> </a:t>
+            </a:r>
+            <a:r>
+              <a:rPr lang="en-US" altLang="ja-JP" dirty="0" err="1"/>
+              <a:t>thù</a:t>
+            </a:r>
+            <a:r>
+              <a:rPr lang="en-US" altLang="ja-JP" dirty="0"/>
+              <a:t> lao internship</a:t>
+            </a:r>
+          </a:p>
+        </p:txBody>
+      </p:sp>
+    </p:spTree>
+    <p:extLst>
+      <p:ext uri="{BB962C8B-B14F-4D97-AF65-F5344CB8AC3E}">
+        <p14:creationId xmlns:p14="http://schemas.microsoft.com/office/powerpoint/2010/main" val="4107990379"/>
+      </p:ext>
+    </p:extLst>
+  </p:cSld>
+  <p:clrMapOvr>
+    <a:masterClrMapping/>
+  </p:clrMapOvr>
+</p:sld>
+</file>
+
+<file path=ppt/slides/slide7.xml><?xml version="1.0" encoding="utf-8"?>
+<p:sld xmlns:a="http://schemas.openxmlformats.org/drawingml/2006/main" xmlns:r="http://schemas.openxmlformats.org/officeDocument/2006/relationships" xmlns:p="http://schemas.openxmlformats.org/presentationml/2006/main">
+  <p:cSld>
+    <p:spTree>
+      <p:nvGrpSpPr>
+        <p:cNvPr id="1" name=""/>
+        <p:cNvGrpSpPr/>
+        <p:nvPr/>
+      </p:nvGrpSpPr>
+      <p:grpSpPr>
+        <a:xfrm>
+          <a:off x="0" y="0"/>
+          <a:ext cx="0" cy="0"/>
+          <a:chOff x="0" y="0"/>
+          <a:chExt cx="0" cy="0"/>
+        </a:xfrm>
+      </p:grpSpPr>
+      <p:sp>
+        <p:nvSpPr>
+          <p:cNvPr id="2" name="タイトル 1">
+            <a:extLst>
+              <a:ext uri="{FF2B5EF4-FFF2-40B4-BE49-F238E27FC236}">
+                <a16:creationId xmlns:a16="http://schemas.microsoft.com/office/drawing/2014/main" id="{892320CC-ACF8-469C-B94E-9FF91802192B}"/>
+              </a:ext>
+            </a:extLst>
+          </p:cNvPr>
+          <p:cNvSpPr>
+            <a:spLocks noGrp="1"/>
+          </p:cNvSpPr>
+          <p:nvPr>
+            <p:ph type="title"/>
+          </p:nvPr>
+        </p:nvSpPr>
+        <p:spPr/>
+        <p:txBody>
+          <a:bodyPr/>
+          <a:lstStyle/>
+          <a:p>
+            <a:r>
+              <a:rPr kumimoji="1" lang="en-US" altLang="ja-JP" dirty="0" err="1"/>
+              <a:t>Giới</a:t>
+            </a:r>
+            <a:r>
+              <a:rPr kumimoji="1" lang="en-US" altLang="ja-JP" dirty="0"/>
+              <a:t> </a:t>
+            </a:r>
+            <a:r>
+              <a:rPr kumimoji="1" lang="en-US" altLang="ja-JP" dirty="0" err="1"/>
+              <a:t>thiệu</a:t>
+            </a:r>
+            <a:r>
+              <a:rPr kumimoji="1" lang="en-US" altLang="ja-JP" dirty="0"/>
+              <a:t> </a:t>
+            </a:r>
+            <a:r>
+              <a:rPr kumimoji="1" lang="en-US" altLang="ja-JP" dirty="0" err="1"/>
+              <a:t>hachix</a:t>
+            </a:r>
+            <a:endParaRPr kumimoji="1" lang="ja-JP" altLang="en-US" dirty="0"/>
+          </a:p>
+        </p:txBody>
+      </p:sp>
+      <p:sp>
+        <p:nvSpPr>
+          <p:cNvPr id="3" name="コンテンツ プレースホルダー 2">
+            <a:extLst>
+              <a:ext uri="{FF2B5EF4-FFF2-40B4-BE49-F238E27FC236}">
+                <a16:creationId xmlns:a16="http://schemas.microsoft.com/office/drawing/2014/main" id="{D900A0D7-DBCE-436E-B45C-04CF7D04D335}"/>
+              </a:ext>
+            </a:extLst>
+          </p:cNvPr>
+          <p:cNvSpPr>
+            <a:spLocks noGrp="1"/>
+          </p:cNvSpPr>
+          <p:nvPr>
+            <p:ph idx="1"/>
+          </p:nvPr>
+        </p:nvSpPr>
+        <p:spPr/>
+        <p:txBody>
+          <a:bodyPr>
+            <a:normAutofit fontScale="92500" lnSpcReduction="20000"/>
+          </a:bodyPr>
+          <a:lstStyle/>
+          <a:p>
+            <a:pPr marL="914400" lvl="1" indent="-457200">
+              <a:buAutoNum type="arabicPeriod"/>
+            </a:pPr>
+            <a:r>
+              <a:rPr lang="en-US" altLang="ja-JP" dirty="0" err="1"/>
+              <a:t>Cách</a:t>
+            </a:r>
+            <a:r>
+              <a:rPr lang="en-US" altLang="ja-JP" dirty="0"/>
+              <a:t> </a:t>
+            </a:r>
+            <a:r>
+              <a:rPr lang="en-US" altLang="ja-JP" dirty="0" err="1"/>
+              <a:t>quản</a:t>
+            </a:r>
+            <a:r>
+              <a:rPr lang="en-US" altLang="ja-JP" dirty="0"/>
+              <a:t> </a:t>
+            </a:r>
+            <a:r>
+              <a:rPr lang="en-US" altLang="ja-JP" dirty="0" err="1"/>
+              <a:t>lý</a:t>
+            </a:r>
+            <a:r>
+              <a:rPr lang="en-US" altLang="ja-JP" dirty="0"/>
+              <a:t> project</a:t>
+            </a:r>
+          </a:p>
+          <a:p>
+            <a:pPr marL="1371600" lvl="2" indent="-457200">
+              <a:buAutoNum type="arabicPeriod"/>
+            </a:pPr>
+            <a:r>
+              <a:rPr lang="en-US" altLang="ja-JP" dirty="0" err="1"/>
               <a:t>Công</a:t>
             </a:r>
             <a:r>
@@ -4146,6 +6716,59 @@
               <a:rPr lang="en-US" altLang="ja-JP" dirty="0" err="1"/>
               <a:t>ngày</a:t>
             </a:r>
+            <a:r>
+              <a:rPr lang="en-US" altLang="ja-JP" dirty="0"/>
+              <a:t>	</a:t>
+            </a:r>
+          </a:p>
+          <a:p>
+            <a:pPr marL="914400" lvl="1" indent="-457200">
+              <a:buAutoNum type="arabicPeriod"/>
+            </a:pPr>
+            <a:r>
+              <a:rPr lang="en-US" altLang="ja-JP" dirty="0"/>
+              <a:t>IDE</a:t>
+            </a:r>
+          </a:p>
+          <a:p>
+            <a:pPr marL="1371600" lvl="2" indent="-457200">
+              <a:buAutoNum type="arabicPeriod"/>
+            </a:pPr>
+            <a:r>
+              <a:rPr lang="en-US" altLang="ja-JP" dirty="0"/>
+              <a:t>Python: </a:t>
+            </a:r>
+            <a:r>
+              <a:rPr lang="en-US" altLang="ja-JP" dirty="0" err="1"/>
+              <a:t>Pycharm</a:t>
+            </a:r>
+            <a:r>
+              <a:rPr lang="en-US" altLang="ja-JP" dirty="0"/>
+              <a:t> (community)</a:t>
+            </a:r>
+          </a:p>
+          <a:p>
+            <a:pPr marL="1371600" lvl="2" indent="-457200">
+              <a:buAutoNum type="arabicPeriod"/>
+            </a:pPr>
+            <a:r>
+              <a:rPr lang="en-US" altLang="ja-JP" dirty="0" err="1"/>
+              <a:t>Javascript</a:t>
+            </a:r>
+            <a:r>
+              <a:rPr lang="en-US" altLang="ja-JP" dirty="0"/>
+              <a:t>: </a:t>
+            </a:r>
+            <a:r>
+              <a:rPr lang="en-US" altLang="ja-JP" dirty="0" err="1"/>
+              <a:t>Webstorm</a:t>
+            </a:r>
+            <a:endParaRPr lang="en-US" altLang="ja-JP" dirty="0"/>
+          </a:p>
+          <a:p>
+            <a:pPr marL="914400" lvl="2" indent="0">
+              <a:buNone/>
+            </a:pPr>
             <a:endParaRPr lang="en-US" altLang="ja-JP" dirty="0"/>
           </a:p>
           <a:p>
@@ -4342,6 +6965,765 @@
     <p:extLst>
       <p:ext uri="{BB962C8B-B14F-4D97-AF65-F5344CB8AC3E}">
         <p14:creationId xmlns:p14="http://schemas.microsoft.com/office/powerpoint/2010/main" val="2388965834"/>
+      </p:ext>
+    </p:extLst>
+  </p:cSld>
+  <p:clrMapOvr>
+    <a:masterClrMapping/>
+  </p:clrMapOvr>
+</p:sld>
+</file>
+
+<file path=ppt/slides/slide8.xml><?xml version="1.0" encoding="utf-8"?>
+<p:sld xmlns:a="http://schemas.openxmlformats.org/drawingml/2006/main" xmlns:r="http://schemas.openxmlformats.org/officeDocument/2006/relationships" xmlns:p="http://schemas.openxmlformats.org/presentationml/2006/main">
+  <p:cSld>
+    <p:spTree>
+      <p:nvGrpSpPr>
+        <p:cNvPr id="1" name=""/>
+        <p:cNvGrpSpPr/>
+        <p:nvPr/>
+      </p:nvGrpSpPr>
+      <p:grpSpPr>
+        <a:xfrm>
+          <a:off x="0" y="0"/>
+          <a:ext cx="0" cy="0"/>
+          <a:chOff x="0" y="0"/>
+          <a:chExt cx="0" cy="0"/>
+        </a:xfrm>
+      </p:grpSpPr>
+      <p:sp>
+        <p:nvSpPr>
+          <p:cNvPr id="2" name="タイトル 1">
+            <a:extLst>
+              <a:ext uri="{FF2B5EF4-FFF2-40B4-BE49-F238E27FC236}">
+                <a16:creationId xmlns:a16="http://schemas.microsoft.com/office/drawing/2014/main" id="{CCBE161A-DE59-485E-BB36-A4D80F1C362D}"/>
+              </a:ext>
+            </a:extLst>
+          </p:cNvPr>
+          <p:cNvSpPr>
+            <a:spLocks noGrp="1"/>
+          </p:cNvSpPr>
+          <p:nvPr>
+            <p:ph type="title"/>
+          </p:nvPr>
+        </p:nvSpPr>
+        <p:spPr/>
+        <p:txBody>
+          <a:bodyPr/>
+          <a:lstStyle/>
+          <a:p>
+            <a:r>
+              <a:rPr kumimoji="1" lang="en-US" altLang="ja-JP" dirty="0" err="1"/>
+              <a:t>Dự</a:t>
+            </a:r>
+            <a:r>
+              <a:rPr kumimoji="1" lang="en-US" altLang="ja-JP" dirty="0"/>
+              <a:t> </a:t>
+            </a:r>
+            <a:r>
+              <a:rPr kumimoji="1" lang="en-US" altLang="ja-JP" dirty="0" err="1"/>
+              <a:t>đoán</a:t>
+            </a:r>
+            <a:r>
+              <a:rPr kumimoji="1" lang="en-US" altLang="ja-JP" dirty="0"/>
+              <a:t> </a:t>
+            </a:r>
+            <a:r>
+              <a:rPr kumimoji="1" lang="en-US" altLang="ja-JP" dirty="0" err="1"/>
+              <a:t>doanh</a:t>
+            </a:r>
+            <a:r>
+              <a:rPr kumimoji="1" lang="en-US" altLang="ja-JP" dirty="0"/>
+              <a:t> </a:t>
+            </a:r>
+            <a:r>
+              <a:rPr kumimoji="1" lang="en-US" altLang="ja-JP" dirty="0" err="1"/>
+              <a:t>thu</a:t>
+            </a:r>
+            <a:endParaRPr kumimoji="1" lang="ja-JP" altLang="en-US" dirty="0"/>
+          </a:p>
+        </p:txBody>
+      </p:sp>
+      <p:sp>
+        <p:nvSpPr>
+          <p:cNvPr id="3" name="コンテンツ プレースホルダー 2">
+            <a:extLst>
+              <a:ext uri="{FF2B5EF4-FFF2-40B4-BE49-F238E27FC236}">
+                <a16:creationId xmlns:a16="http://schemas.microsoft.com/office/drawing/2014/main" id="{CA1ED067-8974-4374-9D8B-F9A768691C59}"/>
+              </a:ext>
+            </a:extLst>
+          </p:cNvPr>
+          <p:cNvSpPr>
+            <a:spLocks noGrp="1"/>
+          </p:cNvSpPr>
+          <p:nvPr>
+            <p:ph idx="1"/>
+          </p:nvPr>
+        </p:nvSpPr>
+        <p:spPr/>
+        <p:txBody>
+          <a:bodyPr/>
+          <a:lstStyle/>
+          <a:p>
+            <a:r>
+              <a:rPr kumimoji="1" lang="en-US" altLang="ja-JP" dirty="0"/>
+              <a:t>Input: </a:t>
+            </a:r>
+            <a:r>
+              <a:rPr kumimoji="1" lang="en-US" altLang="ja-JP" dirty="0" err="1"/>
+              <a:t>là</a:t>
+            </a:r>
+            <a:r>
+              <a:rPr kumimoji="1" lang="en-US" altLang="ja-JP" dirty="0"/>
+              <a:t> file csv </a:t>
+            </a:r>
+            <a:r>
+              <a:rPr kumimoji="1" lang="en-US" altLang="ja-JP" dirty="0" err="1"/>
+              <a:t>doanh</a:t>
+            </a:r>
+            <a:r>
+              <a:rPr kumimoji="1" lang="en-US" altLang="ja-JP" dirty="0"/>
+              <a:t> </a:t>
+            </a:r>
+            <a:r>
+              <a:rPr kumimoji="1" lang="en-US" altLang="ja-JP" dirty="0" err="1"/>
+              <a:t>thu</a:t>
+            </a:r>
+            <a:r>
+              <a:rPr kumimoji="1" lang="en-US" altLang="ja-JP" dirty="0"/>
+              <a:t> </a:t>
+            </a:r>
+            <a:r>
+              <a:rPr kumimoji="1" lang="en-US" altLang="ja-JP" dirty="0" err="1"/>
+              <a:t>của</a:t>
+            </a:r>
+            <a:r>
+              <a:rPr kumimoji="1" lang="en-US" altLang="ja-JP" dirty="0"/>
+              <a:t> </a:t>
+            </a:r>
+            <a:r>
+              <a:rPr kumimoji="1" lang="en-US" altLang="ja-JP" dirty="0" err="1"/>
+              <a:t>từng</a:t>
+            </a:r>
+            <a:r>
+              <a:rPr kumimoji="1" lang="en-US" altLang="ja-JP" dirty="0"/>
+              <a:t> </a:t>
+            </a:r>
+            <a:r>
+              <a:rPr kumimoji="1" lang="en-US" altLang="ja-JP" dirty="0" err="1"/>
+              <a:t>ngày</a:t>
+            </a:r>
+            <a:endParaRPr kumimoji="1" lang="en-US" altLang="ja-JP" dirty="0"/>
+          </a:p>
+          <a:p>
+            <a:r>
+              <a:rPr lang="en-US" altLang="ja-JP" dirty="0"/>
+              <a:t>Output: </a:t>
+            </a:r>
+            <a:r>
+              <a:rPr lang="en-US" altLang="ja-JP" dirty="0" err="1"/>
+              <a:t>là</a:t>
+            </a:r>
+            <a:r>
+              <a:rPr lang="en-US" altLang="ja-JP" dirty="0"/>
+              <a:t> </a:t>
+            </a:r>
+            <a:r>
+              <a:rPr lang="en-US" altLang="ja-JP" dirty="0" err="1"/>
+              <a:t>doanh</a:t>
+            </a:r>
+            <a:r>
+              <a:rPr lang="en-US" altLang="ja-JP" dirty="0"/>
+              <a:t> </a:t>
+            </a:r>
+            <a:r>
+              <a:rPr lang="en-US" altLang="ja-JP" dirty="0" err="1"/>
+              <a:t>thu</a:t>
+            </a:r>
+            <a:r>
+              <a:rPr lang="en-US" altLang="ja-JP" dirty="0"/>
+              <a:t> </a:t>
+            </a:r>
+            <a:r>
+              <a:rPr lang="en-US" altLang="ja-JP" dirty="0" err="1"/>
+              <a:t>của</a:t>
+            </a:r>
+            <a:r>
+              <a:rPr lang="en-US" altLang="ja-JP" dirty="0"/>
+              <a:t> 1 </a:t>
+            </a:r>
+            <a:r>
+              <a:rPr lang="en-US" altLang="ja-JP" dirty="0" err="1"/>
+              <a:t>tuần</a:t>
+            </a:r>
+            <a:r>
+              <a:rPr lang="en-US" altLang="ja-JP" dirty="0"/>
+              <a:t> </a:t>
+            </a:r>
+            <a:r>
+              <a:rPr lang="en-US" altLang="ja-JP" dirty="0" err="1"/>
+              <a:t>tiếp</a:t>
+            </a:r>
+            <a:r>
+              <a:rPr lang="en-US" altLang="ja-JP" dirty="0"/>
+              <a:t> </a:t>
+            </a:r>
+            <a:r>
+              <a:rPr lang="en-US" altLang="ja-JP" dirty="0" err="1"/>
+              <a:t>theo</a:t>
+            </a:r>
+            <a:endParaRPr lang="en-US" altLang="ja-JP" dirty="0"/>
+          </a:p>
+          <a:p>
+            <a:r>
+              <a:rPr kumimoji="1" lang="en-US" altLang="ja-JP" dirty="0" err="1"/>
+              <a:t>Công</a:t>
+            </a:r>
+            <a:r>
+              <a:rPr kumimoji="1" lang="en-US" altLang="ja-JP" dirty="0"/>
+              <a:t> </a:t>
+            </a:r>
+            <a:r>
+              <a:rPr kumimoji="1" lang="en-US" altLang="ja-JP" dirty="0" err="1"/>
+              <a:t>nghệ</a:t>
+            </a:r>
+            <a:endParaRPr kumimoji="1" lang="en-US" altLang="ja-JP" dirty="0"/>
+          </a:p>
+          <a:p>
+            <a:pPr lvl="1"/>
+            <a:r>
+              <a:rPr lang="en-US" altLang="ja-JP" dirty="0"/>
+              <a:t>Front end: angular </a:t>
+            </a:r>
+            <a:r>
+              <a:rPr lang="en-US" altLang="ja-JP" dirty="0" err="1"/>
+              <a:t>js</a:t>
+            </a:r>
+            <a:endParaRPr lang="en-US" altLang="ja-JP" dirty="0"/>
+          </a:p>
+          <a:p>
+            <a:pPr lvl="1"/>
+            <a:r>
+              <a:rPr kumimoji="1" lang="en-US" altLang="ja-JP" dirty="0"/>
+              <a:t>Back end: Flask (python)</a:t>
+            </a:r>
+          </a:p>
+          <a:p>
+            <a:pPr lvl="2"/>
+            <a:r>
+              <a:rPr lang="en-US" altLang="ja-JP" dirty="0"/>
+              <a:t>AI (RNN (Recurrent Neural Network), </a:t>
+            </a:r>
+            <a:r>
+              <a:rPr lang="en-US" altLang="ja-JP" dirty="0" err="1"/>
+              <a:t>LightBGM</a:t>
+            </a:r>
+            <a:endParaRPr kumimoji="1" lang="en-US" altLang="ja-JP" dirty="0"/>
+          </a:p>
+          <a:p>
+            <a:pPr lvl="1"/>
+            <a:r>
+              <a:rPr lang="en-US" altLang="ja-JP" dirty="0"/>
+              <a:t>Database: MongoDB</a:t>
+            </a:r>
+          </a:p>
+          <a:p>
+            <a:r>
+              <a:rPr kumimoji="1" lang="en-US" altLang="ja-JP" dirty="0" err="1"/>
+              <a:t>Nội</a:t>
+            </a:r>
+            <a:r>
+              <a:rPr kumimoji="1" lang="en-US" altLang="ja-JP" dirty="0"/>
+              <a:t> dung </a:t>
+            </a:r>
+            <a:r>
+              <a:rPr kumimoji="1" lang="en-US" altLang="ja-JP" dirty="0" err="1"/>
+              <a:t>của</a:t>
+            </a:r>
+            <a:r>
+              <a:rPr kumimoji="1" lang="en-US" altLang="ja-JP" dirty="0"/>
+              <a:t> </a:t>
+            </a:r>
+            <a:r>
+              <a:rPr kumimoji="1" lang="en-US" altLang="ja-JP" dirty="0" err="1"/>
+              <a:t>dự</a:t>
+            </a:r>
+            <a:r>
+              <a:rPr kumimoji="1" lang="en-US" altLang="ja-JP" dirty="0"/>
+              <a:t> </a:t>
+            </a:r>
+            <a:r>
+              <a:rPr kumimoji="1" lang="en-US" altLang="ja-JP" dirty="0" err="1"/>
+              <a:t>án</a:t>
+            </a:r>
+            <a:endParaRPr kumimoji="1" lang="en-US" altLang="ja-JP" dirty="0"/>
+          </a:p>
+          <a:p>
+            <a:pPr lvl="1"/>
+            <a:r>
+              <a:rPr lang="en-US" altLang="ja-JP" dirty="0" err="1"/>
+              <a:t>Chuyển</a:t>
+            </a:r>
+            <a:r>
+              <a:rPr lang="en-US" altLang="ja-JP" dirty="0"/>
+              <a:t> </a:t>
+            </a:r>
+            <a:r>
+              <a:rPr lang="en-US" altLang="ja-JP" dirty="0" err="1"/>
+              <a:t>đổi</a:t>
+            </a:r>
+            <a:r>
+              <a:rPr lang="en-US" altLang="ja-JP" dirty="0"/>
+              <a:t> </a:t>
+            </a:r>
+            <a:r>
+              <a:rPr lang="en-US" altLang="ja-JP" dirty="0" err="1"/>
+              <a:t>công</a:t>
+            </a:r>
+            <a:r>
+              <a:rPr lang="en-US" altLang="ja-JP" dirty="0"/>
+              <a:t> </a:t>
+            </a:r>
+            <a:r>
+              <a:rPr lang="en-US" altLang="ja-JP" dirty="0" err="1"/>
+              <a:t>nghệ</a:t>
+            </a:r>
+            <a:r>
+              <a:rPr lang="en-US" altLang="ja-JP" dirty="0"/>
+              <a:t> </a:t>
+            </a:r>
+            <a:r>
+              <a:rPr lang="en-US" altLang="ja-JP" dirty="0" err="1"/>
+              <a:t>từ</a:t>
+            </a:r>
+            <a:r>
+              <a:rPr lang="en-US" altLang="ja-JP" dirty="0"/>
+              <a:t> angular </a:t>
+            </a:r>
+            <a:r>
+              <a:rPr lang="en-US" altLang="ja-JP" dirty="0" err="1"/>
+              <a:t>js</a:t>
+            </a:r>
+            <a:r>
+              <a:rPr lang="en-US" altLang="ja-JP" dirty="0"/>
+              <a:t> sang react</a:t>
+            </a:r>
+            <a:endParaRPr kumimoji="1" lang="ja-JP" altLang="en-US" dirty="0"/>
+          </a:p>
+        </p:txBody>
+      </p:sp>
+    </p:spTree>
+    <p:extLst>
+      <p:ext uri="{BB962C8B-B14F-4D97-AF65-F5344CB8AC3E}">
+        <p14:creationId xmlns:p14="http://schemas.microsoft.com/office/powerpoint/2010/main" val="3724534656"/>
+      </p:ext>
+    </p:extLst>
+  </p:cSld>
+  <p:clrMapOvr>
+    <a:masterClrMapping/>
+  </p:clrMapOvr>
+</p:sld>
+</file>
+
+<file path=ppt/slides/slide9.xml><?xml version="1.0" encoding="utf-8"?>
+<p:sld xmlns:a="http://schemas.openxmlformats.org/drawingml/2006/main" xmlns:r="http://schemas.openxmlformats.org/officeDocument/2006/relationships" xmlns:p="http://schemas.openxmlformats.org/presentationml/2006/main">
+  <p:cSld>
+    <p:spTree>
+      <p:nvGrpSpPr>
+        <p:cNvPr id="1" name=""/>
+        <p:cNvGrpSpPr/>
+        <p:nvPr/>
+      </p:nvGrpSpPr>
+      <p:grpSpPr>
+        <a:xfrm>
+          <a:off x="0" y="0"/>
+          <a:ext cx="0" cy="0"/>
+          <a:chOff x="0" y="0"/>
+          <a:chExt cx="0" cy="0"/>
+        </a:xfrm>
+      </p:grpSpPr>
+      <p:sp>
+        <p:nvSpPr>
+          <p:cNvPr id="2" name="タイトル 1">
+            <a:extLst>
+              <a:ext uri="{FF2B5EF4-FFF2-40B4-BE49-F238E27FC236}">
+                <a16:creationId xmlns:a16="http://schemas.microsoft.com/office/drawing/2014/main" id="{CAE8244F-6792-432F-9949-CEE145B8A257}"/>
+              </a:ext>
+            </a:extLst>
+          </p:cNvPr>
+          <p:cNvSpPr>
+            <a:spLocks noGrp="1"/>
+          </p:cNvSpPr>
+          <p:nvPr>
+            <p:ph type="title"/>
+          </p:nvPr>
+        </p:nvSpPr>
+        <p:spPr/>
+        <p:txBody>
+          <a:bodyPr/>
+          <a:lstStyle/>
+          <a:p>
+            <a:r>
+              <a:rPr kumimoji="1" lang="en-US" altLang="ja-JP" dirty="0" err="1"/>
+              <a:t>Dự</a:t>
+            </a:r>
+            <a:r>
+              <a:rPr kumimoji="1" lang="en-US" altLang="ja-JP" dirty="0"/>
+              <a:t> </a:t>
+            </a:r>
+            <a:r>
+              <a:rPr kumimoji="1" lang="en-US" altLang="ja-JP" dirty="0" err="1"/>
+              <a:t>án</a:t>
+            </a:r>
+            <a:r>
+              <a:rPr kumimoji="1" lang="en-US" altLang="ja-JP" dirty="0"/>
+              <a:t> </a:t>
+            </a:r>
+            <a:r>
+              <a:rPr kumimoji="1" lang="en-US" altLang="ja-JP" dirty="0" err="1"/>
+              <a:t>về</a:t>
+            </a:r>
+            <a:r>
+              <a:rPr kumimoji="1" lang="en-US" altLang="ja-JP" dirty="0"/>
+              <a:t> </a:t>
+            </a:r>
+            <a:r>
+              <a:rPr kumimoji="1" lang="en-US" altLang="ja-JP" dirty="0" err="1"/>
+              <a:t>phân</a:t>
+            </a:r>
+            <a:r>
+              <a:rPr kumimoji="1" lang="en-US" altLang="ja-JP" dirty="0"/>
+              <a:t> </a:t>
+            </a:r>
+            <a:r>
+              <a:rPr kumimoji="1" lang="en-US" altLang="ja-JP" dirty="0" err="1"/>
+              <a:t>loại</a:t>
+            </a:r>
+            <a:r>
+              <a:rPr kumimoji="1" lang="en-US" altLang="ja-JP" dirty="0"/>
+              <a:t> </a:t>
+            </a:r>
+            <a:r>
+              <a:rPr kumimoji="1" lang="en-US" altLang="ja-JP" dirty="0" err="1"/>
+              <a:t>luận</a:t>
+            </a:r>
+            <a:r>
+              <a:rPr kumimoji="1" lang="en-US" altLang="ja-JP" dirty="0"/>
+              <a:t> </a:t>
+            </a:r>
+            <a:r>
+              <a:rPr kumimoji="1" lang="en-US" altLang="ja-JP" dirty="0" err="1"/>
+              <a:t>văn</a:t>
+            </a:r>
+            <a:r>
+              <a:rPr kumimoji="1" lang="en-US" altLang="ja-JP" dirty="0"/>
+              <a:t>, </a:t>
+            </a:r>
+            <a:r>
+              <a:rPr kumimoji="1" lang="en-US" altLang="ja-JP" dirty="0" err="1"/>
+              <a:t>bản</a:t>
+            </a:r>
+            <a:r>
+              <a:rPr kumimoji="1" lang="en-US" altLang="ja-JP" dirty="0"/>
+              <a:t> </a:t>
+            </a:r>
+            <a:r>
+              <a:rPr kumimoji="1" lang="en-US" altLang="ja-JP" dirty="0" err="1"/>
+              <a:t>quyền</a:t>
+            </a:r>
+            <a:endParaRPr kumimoji="1" lang="ja-JP" altLang="en-US" dirty="0"/>
+          </a:p>
+        </p:txBody>
+      </p:sp>
+      <p:sp>
+        <p:nvSpPr>
+          <p:cNvPr id="3" name="コンテンツ プレースホルダー 2">
+            <a:extLst>
+              <a:ext uri="{FF2B5EF4-FFF2-40B4-BE49-F238E27FC236}">
+                <a16:creationId xmlns:a16="http://schemas.microsoft.com/office/drawing/2014/main" id="{86671922-AB56-4837-9395-76AE328D6226}"/>
+              </a:ext>
+            </a:extLst>
+          </p:cNvPr>
+          <p:cNvSpPr>
+            <a:spLocks noGrp="1"/>
+          </p:cNvSpPr>
+          <p:nvPr>
+            <p:ph idx="1"/>
+          </p:nvPr>
+        </p:nvSpPr>
+        <p:spPr/>
+        <p:txBody>
+          <a:bodyPr/>
+          <a:lstStyle/>
+          <a:p>
+            <a:r>
+              <a:rPr kumimoji="1" lang="en-US" altLang="ja-JP" dirty="0"/>
+              <a:t>Input</a:t>
+            </a:r>
+          </a:p>
+          <a:p>
+            <a:pPr lvl="1"/>
+            <a:r>
+              <a:rPr lang="en-US" altLang="ja-JP" dirty="0"/>
+              <a:t>File csv </a:t>
+            </a:r>
+            <a:r>
+              <a:rPr lang="en-US" altLang="ja-JP" dirty="0" err="1"/>
+              <a:t>danh</a:t>
+            </a:r>
+            <a:r>
+              <a:rPr lang="en-US" altLang="ja-JP" dirty="0"/>
+              <a:t> </a:t>
+            </a:r>
+            <a:r>
+              <a:rPr lang="en-US" altLang="ja-JP" dirty="0" err="1"/>
+              <a:t>sách</a:t>
+            </a:r>
+            <a:r>
+              <a:rPr lang="en-US" altLang="ja-JP" dirty="0"/>
+              <a:t> </a:t>
+            </a:r>
+            <a:r>
+              <a:rPr lang="en-US" altLang="ja-JP" dirty="0" err="1"/>
+              <a:t>các</a:t>
+            </a:r>
+            <a:r>
+              <a:rPr lang="en-US" altLang="ja-JP" dirty="0"/>
+              <a:t> </a:t>
+            </a:r>
+            <a:r>
+              <a:rPr lang="en-US" altLang="ja-JP" dirty="0" err="1"/>
+              <a:t>bài</a:t>
+            </a:r>
+            <a:r>
+              <a:rPr lang="en-US" altLang="ja-JP" dirty="0"/>
+              <a:t> </a:t>
+            </a:r>
+            <a:r>
+              <a:rPr lang="en-US" altLang="ja-JP" dirty="0" err="1"/>
+              <a:t>luận</a:t>
+            </a:r>
+            <a:r>
+              <a:rPr lang="en-US" altLang="ja-JP" dirty="0"/>
+              <a:t> </a:t>
+            </a:r>
+            <a:r>
+              <a:rPr lang="en-US" altLang="ja-JP" dirty="0" err="1"/>
+              <a:t>văn</a:t>
+            </a:r>
+            <a:r>
+              <a:rPr lang="en-US" altLang="ja-JP" dirty="0"/>
+              <a:t>, </a:t>
+            </a:r>
+            <a:r>
+              <a:rPr lang="en-US" altLang="ja-JP" dirty="0" err="1"/>
+              <a:t>bản</a:t>
+            </a:r>
+            <a:r>
+              <a:rPr lang="en-US" altLang="ja-JP" dirty="0"/>
+              <a:t> </a:t>
+            </a:r>
+            <a:r>
+              <a:rPr lang="en-US" altLang="ja-JP" dirty="0" err="1"/>
+              <a:t>quyền</a:t>
+            </a:r>
+            <a:endParaRPr lang="en-US" altLang="ja-JP" dirty="0"/>
+          </a:p>
+          <a:p>
+            <a:r>
+              <a:rPr kumimoji="1" lang="en-US" altLang="ja-JP" dirty="0"/>
+              <a:t>Output</a:t>
+            </a:r>
+          </a:p>
+          <a:p>
+            <a:pPr lvl="1"/>
+            <a:r>
+              <a:rPr kumimoji="1" lang="en-US" altLang="ja-JP" dirty="0" err="1"/>
+              <a:t>Ph</a:t>
+            </a:r>
+            <a:r>
+              <a:rPr lang="en-US" altLang="ja-JP" dirty="0" err="1"/>
+              <a:t>ân</a:t>
+            </a:r>
+            <a:r>
+              <a:rPr lang="en-US" altLang="ja-JP" dirty="0"/>
+              <a:t> </a:t>
+            </a:r>
+            <a:r>
+              <a:rPr lang="en-US" altLang="ja-JP" dirty="0" err="1"/>
+              <a:t>loại</a:t>
+            </a:r>
+            <a:r>
+              <a:rPr lang="en-US" altLang="ja-JP" dirty="0"/>
+              <a:t> topic </a:t>
+            </a:r>
+            <a:r>
+              <a:rPr lang="en-US" altLang="ja-JP" dirty="0" err="1"/>
+              <a:t>các</a:t>
+            </a:r>
+            <a:r>
+              <a:rPr lang="en-US" altLang="ja-JP" dirty="0"/>
+              <a:t> </a:t>
+            </a:r>
+            <a:r>
+              <a:rPr lang="en-US" altLang="ja-JP" dirty="0" err="1"/>
+              <a:t>bài</a:t>
+            </a:r>
+            <a:r>
+              <a:rPr lang="en-US" altLang="ja-JP" dirty="0"/>
+              <a:t> </a:t>
+            </a:r>
+            <a:r>
+              <a:rPr lang="en-US" altLang="ja-JP" dirty="0" err="1"/>
+              <a:t>luận</a:t>
+            </a:r>
+            <a:r>
+              <a:rPr lang="en-US" altLang="ja-JP" dirty="0"/>
+              <a:t> </a:t>
+            </a:r>
+            <a:r>
+              <a:rPr lang="en-US" altLang="ja-JP" dirty="0" err="1"/>
+              <a:t>văn</a:t>
+            </a:r>
+            <a:r>
+              <a:rPr lang="en-US" altLang="ja-JP" dirty="0"/>
+              <a:t>, </a:t>
+            </a:r>
+            <a:r>
+              <a:rPr lang="en-US" altLang="ja-JP" dirty="0" err="1"/>
+              <a:t>bản</a:t>
+            </a:r>
+            <a:r>
+              <a:rPr lang="en-US" altLang="ja-JP" dirty="0"/>
+              <a:t> </a:t>
+            </a:r>
+            <a:r>
+              <a:rPr lang="en-US" altLang="ja-JP" dirty="0" err="1"/>
+              <a:t>quyền</a:t>
+            </a:r>
+            <a:endParaRPr lang="en-US" altLang="ja-JP" dirty="0"/>
+          </a:p>
+          <a:p>
+            <a:r>
+              <a:rPr lang="en-US" altLang="ja-JP" dirty="0" err="1"/>
+              <a:t>Công</a:t>
+            </a:r>
+            <a:r>
+              <a:rPr lang="en-US" altLang="ja-JP" dirty="0"/>
+              <a:t> </a:t>
+            </a:r>
+            <a:r>
+              <a:rPr lang="en-US" altLang="ja-JP" dirty="0" err="1"/>
+              <a:t>nghệ</a:t>
+            </a:r>
+            <a:endParaRPr lang="en-US" altLang="ja-JP" dirty="0"/>
+          </a:p>
+          <a:p>
+            <a:pPr lvl="1"/>
+            <a:r>
+              <a:rPr lang="en-US" altLang="ja-JP" dirty="0"/>
+              <a:t>Front end: react</a:t>
+            </a:r>
+          </a:p>
+          <a:p>
+            <a:pPr lvl="1"/>
+            <a:r>
+              <a:rPr lang="en-US" altLang="ja-JP" dirty="0"/>
+              <a:t>Back end: flask</a:t>
+            </a:r>
+          </a:p>
+          <a:p>
+            <a:pPr lvl="1"/>
+            <a:r>
+              <a:rPr lang="en-US" altLang="ja-JP" dirty="0"/>
+              <a:t>Database: X</a:t>
+            </a:r>
+          </a:p>
+          <a:p>
+            <a:pPr lvl="1"/>
+            <a:r>
+              <a:rPr lang="en-US" altLang="ja-JP" dirty="0" err="1"/>
+              <a:t>Phân</a:t>
+            </a:r>
+            <a:r>
+              <a:rPr lang="en-US" altLang="ja-JP" dirty="0"/>
+              <a:t> </a:t>
+            </a:r>
+            <a:r>
+              <a:rPr lang="en-US" altLang="ja-JP" dirty="0" err="1"/>
+              <a:t>loại</a:t>
+            </a:r>
+            <a:r>
+              <a:rPr lang="en-US" altLang="ja-JP" dirty="0"/>
+              <a:t>: </a:t>
+            </a:r>
+            <a:r>
+              <a:rPr lang="en-US" altLang="ja-JP" dirty="0" err="1"/>
+              <a:t>dùng</a:t>
+            </a:r>
+            <a:r>
+              <a:rPr lang="en-US" altLang="ja-JP" dirty="0"/>
+              <a:t> model LDA (</a:t>
+            </a:r>
+            <a:r>
+              <a:rPr lang="en-US" altLang="ja-JP" dirty="0" err="1"/>
+              <a:t>xử</a:t>
+            </a:r>
+            <a:r>
+              <a:rPr lang="en-US" altLang="ja-JP" dirty="0"/>
+              <a:t> </a:t>
+            </a:r>
+            <a:r>
+              <a:rPr lang="en-US" altLang="ja-JP" dirty="0" err="1"/>
+              <a:t>lý</a:t>
+            </a:r>
+            <a:r>
+              <a:rPr lang="en-US" altLang="ja-JP" dirty="0"/>
+              <a:t> </a:t>
+            </a:r>
+            <a:r>
+              <a:rPr lang="en-US" altLang="ja-JP" dirty="0" err="1"/>
+              <a:t>ngôn</a:t>
+            </a:r>
+            <a:r>
+              <a:rPr lang="en-US" altLang="ja-JP" dirty="0"/>
+              <a:t> </a:t>
+            </a:r>
+            <a:r>
+              <a:rPr lang="en-US" altLang="ja-JP" dirty="0" err="1"/>
+              <a:t>ngữ</a:t>
+            </a:r>
+            <a:r>
+              <a:rPr lang="en-US" altLang="ja-JP" dirty="0"/>
+              <a:t> </a:t>
+            </a:r>
+            <a:r>
+              <a:rPr lang="en-US" altLang="ja-JP" dirty="0" err="1"/>
+              <a:t>tự</a:t>
+            </a:r>
+            <a:r>
+              <a:rPr lang="en-US" altLang="ja-JP" dirty="0"/>
+              <a:t> </a:t>
+            </a:r>
+            <a:r>
+              <a:rPr lang="en-US" altLang="ja-JP" dirty="0" err="1"/>
+              <a:t>nhiên</a:t>
+            </a:r>
+            <a:r>
+              <a:rPr lang="en-US" altLang="ja-JP" dirty="0"/>
+              <a:t>)</a:t>
+            </a:r>
+          </a:p>
+          <a:p>
+            <a:pPr lvl="1"/>
+            <a:endParaRPr kumimoji="1" lang="ja-JP" altLang="en-US" dirty="0"/>
+          </a:p>
+        </p:txBody>
+      </p:sp>
+    </p:spTree>
+    <p:extLst>
+      <p:ext uri="{BB962C8B-B14F-4D97-AF65-F5344CB8AC3E}">
+        <p14:creationId xmlns:p14="http://schemas.microsoft.com/office/powerpoint/2010/main" val="2446097109"/>
       </p:ext>
     </p:extLst>
   </p:cSld>
